--- a/14_designing_an_experiment (part2)/14-ControlStudyMemorisation-50minPart2.pptx
+++ b/14_designing_an_experiment (part2)/14-ControlStudyMemorisation-50minPart2.pptx
@@ -364,14 +364,14 @@
           </a:ln>
           <a:extLst>
             <a:ext uri="{909E8E84-426E-40dd-AFC4-6F175D3DCCD1}">
-              <a14:hiddenFill xmlns:a14="http://schemas.microsoft.com/office/drawing/2010/main" xmlns="">
+              <a14:hiddenFill xmlns="" xmlns:a14="http://schemas.microsoft.com/office/drawing/2010/main">
                 <a:solidFill>
                   <a:srgbClr val="FFFFFF"/>
                 </a:solidFill>
               </a14:hiddenFill>
             </a:ext>
             <a:ext uri="{FAA26D3D-D897-4be2-8F04-BA451C77F1D7}">
-              <ma14:placeholderFlag xmlns:ma14="http://schemas.microsoft.com/office/mac/drawingml/2011/main" xmlns="" val="1"/>
+              <ma14:placeholderFlag xmlns="" xmlns:ma14="http://schemas.microsoft.com/office/mac/drawingml/2011/main" val="1"/>
             </a:ext>
           </a:extLst>
         </p:spPr>
@@ -2622,14 +2622,14 @@
           <a:ln/>
           <a:extLst>
             <a:ext uri="{909E8E84-426E-40dd-AFC4-6F175D3DCCD1}">
-              <a14:hiddenFill xmlns:a14="http://schemas.microsoft.com/office/drawing/2010/main" xmlns="">
+              <a14:hiddenFill xmlns="" xmlns:a14="http://schemas.microsoft.com/office/drawing/2010/main">
                 <a:solidFill>
                   <a:srgbClr val="FFFFFF"/>
                 </a:solidFill>
               </a14:hiddenFill>
             </a:ext>
             <a:ext uri="{91240B29-F687-4f45-9708-019B960494DF}">
-              <a14:hiddenLine xmlns:a14="http://schemas.microsoft.com/office/drawing/2010/main" xmlns="" w="9525">
+              <a14:hiddenLine xmlns="" xmlns:a14="http://schemas.microsoft.com/office/drawing/2010/main" w="9525">
                 <a:solidFill>
                   <a:srgbClr val="000000"/>
                 </a:solidFill>
@@ -2639,7 +2639,7 @@
               </a14:hiddenLine>
             </a:ext>
             <a:ext uri="{FAA26D3D-D897-4be2-8F04-BA451C77F1D7}">
-              <ma14:placeholderFlag xmlns:ma14="http://schemas.microsoft.com/office/mac/drawingml/2011/main" xmlns="" val="1"/>
+              <ma14:placeholderFlag xmlns="" xmlns:ma14="http://schemas.microsoft.com/office/mac/drawingml/2011/main" val="1"/>
             </a:ext>
           </a:extLst>
         </p:spPr>
@@ -3388,14 +3388,14 @@
           </a:ln>
           <a:extLst>
             <a:ext uri="{909E8E84-426E-40dd-AFC4-6F175D3DCCD1}">
-              <a14:hiddenFill xmlns:a14="http://schemas.microsoft.com/office/drawing/2010/main" xmlns="">
+              <a14:hiddenFill xmlns="" xmlns:a14="http://schemas.microsoft.com/office/drawing/2010/main">
                 <a:solidFill>
                   <a:srgbClr val="FFFFFF"/>
                 </a:solidFill>
               </a14:hiddenFill>
             </a:ext>
             <a:ext uri="{91240B29-F687-4f45-9708-019B960494DF}">
-              <a14:hiddenLine xmlns:a14="http://schemas.microsoft.com/office/drawing/2010/main" xmlns="" w="9525">
+              <a14:hiddenLine xmlns="" xmlns:a14="http://schemas.microsoft.com/office/drawing/2010/main" w="9525">
                 <a:solidFill>
                   <a:srgbClr val="000000"/>
                 </a:solidFill>
@@ -3405,7 +3405,7 @@
               </a14:hiddenLine>
             </a:ext>
             <a:ext uri="{FAA26D3D-D897-4be2-8F04-BA451C77F1D7}">
-              <ma14:placeholderFlag xmlns:ma14="http://schemas.microsoft.com/office/mac/drawingml/2011/main" xmlns="" val="1"/>
+              <ma14:placeholderFlag xmlns="" xmlns:ma14="http://schemas.microsoft.com/office/mac/drawingml/2011/main" val="1"/>
             </a:ext>
           </a:extLst>
         </p:spPr>
@@ -3449,14 +3449,14 @@
           </a:ln>
           <a:extLst>
             <a:ext uri="{909E8E84-426E-40dd-AFC4-6F175D3DCCD1}">
-              <a14:hiddenFill xmlns:a14="http://schemas.microsoft.com/office/drawing/2010/main" xmlns="">
+              <a14:hiddenFill xmlns="" xmlns:a14="http://schemas.microsoft.com/office/drawing/2010/main">
                 <a:solidFill>
                   <a:srgbClr val="FFFFFF"/>
                 </a:solidFill>
               </a14:hiddenFill>
             </a:ext>
             <a:ext uri="{91240B29-F687-4f45-9708-019B960494DF}">
-              <a14:hiddenLine xmlns:a14="http://schemas.microsoft.com/office/drawing/2010/main" xmlns="" w="9525">
+              <a14:hiddenLine xmlns="" xmlns:a14="http://schemas.microsoft.com/office/drawing/2010/main" w="9525">
                 <a:solidFill>
                   <a:srgbClr val="000000"/>
                 </a:solidFill>
@@ -3466,7 +3466,7 @@
               </a14:hiddenLine>
             </a:ext>
             <a:ext uri="{FAA26D3D-D897-4be2-8F04-BA451C77F1D7}">
-              <ma14:placeholderFlag xmlns:ma14="http://schemas.microsoft.com/office/mac/drawingml/2011/main" xmlns="" val="1"/>
+              <ma14:placeholderFlag xmlns="" xmlns:ma14="http://schemas.microsoft.com/office/mac/drawingml/2011/main" val="1"/>
             </a:ext>
           </a:extLst>
         </p:spPr>
@@ -4021,14 +4021,14 @@
           </a:ln>
           <a:extLst>
             <a:ext uri="{909E8E84-426E-40dd-AFC4-6F175D3DCCD1}">
-              <a14:hiddenFill xmlns:a14="http://schemas.microsoft.com/office/drawing/2010/main" xmlns="">
+              <a14:hiddenFill xmlns="" xmlns:a14="http://schemas.microsoft.com/office/drawing/2010/main">
                 <a:solidFill>
                   <a:srgbClr val="FFFFFF"/>
                 </a:solidFill>
               </a14:hiddenFill>
             </a:ext>
             <a:ext uri="{91240B29-F687-4f45-9708-019B960494DF}">
-              <a14:hiddenLine xmlns:a14="http://schemas.microsoft.com/office/drawing/2010/main" xmlns="" w="9525">
+              <a14:hiddenLine xmlns="" xmlns:a14="http://schemas.microsoft.com/office/drawing/2010/main" w="9525">
                 <a:solidFill>
                   <a:srgbClr val="000000"/>
                 </a:solidFill>
@@ -4194,14 +4194,14 @@
           </a:ln>
           <a:extLst>
             <a:ext uri="{909E8E84-426E-40dd-AFC4-6F175D3DCCD1}">
-              <a14:hiddenFill xmlns:a14="http://schemas.microsoft.com/office/drawing/2010/main" xmlns="">
+              <a14:hiddenFill xmlns="" xmlns:a14="http://schemas.microsoft.com/office/drawing/2010/main">
                 <a:solidFill>
                   <a:srgbClr val="FFFFFF"/>
                 </a:solidFill>
               </a14:hiddenFill>
             </a:ext>
             <a:ext uri="{91240B29-F687-4f45-9708-019B960494DF}">
-              <a14:hiddenLine xmlns:a14="http://schemas.microsoft.com/office/drawing/2010/main" xmlns="" w="12700">
+              <a14:hiddenLine xmlns="" xmlns:a14="http://schemas.microsoft.com/office/drawing/2010/main" w="12700">
                 <a:solidFill>
                   <a:schemeClr val="tx1"/>
                 </a:solidFill>
@@ -4341,7 +4341,7 @@
           </a:ln>
           <a:extLst>
             <a:ext uri="{909E8E84-426E-40dd-AFC4-6F175D3DCCD1}">
-              <a14:hiddenFill xmlns:a14="http://schemas.microsoft.com/office/drawing/2010/main" xmlns="">
+              <a14:hiddenFill xmlns="" xmlns:a14="http://schemas.microsoft.com/office/drawing/2010/main">
                 <a:solidFill>
                   <a:srgbClr val="FFFFFF"/>
                 </a:solidFill>
@@ -5186,14 +5186,14 @@
           </a:ln>
           <a:extLst>
             <a:ext uri="{909E8E84-426E-40dd-AFC4-6F175D3DCCD1}">
-              <a14:hiddenFill xmlns:a14="http://schemas.microsoft.com/office/drawing/2010/main" xmlns="">
+              <a14:hiddenFill xmlns="" xmlns:a14="http://schemas.microsoft.com/office/drawing/2010/main">
                 <a:solidFill>
                   <a:srgbClr val="FFFFFF"/>
                 </a:solidFill>
               </a14:hiddenFill>
             </a:ext>
             <a:ext uri="{91240B29-F687-4f45-9708-019B960494DF}">
-              <a14:hiddenLine xmlns:a14="http://schemas.microsoft.com/office/drawing/2010/main" xmlns="" w="9525">
+              <a14:hiddenLine xmlns="" xmlns:a14="http://schemas.microsoft.com/office/drawing/2010/main" w="9525">
                 <a:solidFill>
                   <a:srgbClr val="000000"/>
                 </a:solidFill>
@@ -5203,7 +5203,7 @@
               </a14:hiddenLine>
             </a:ext>
             <a:ext uri="{FAA26D3D-D897-4be2-8F04-BA451C77F1D7}">
-              <ma14:placeholderFlag xmlns:ma14="http://schemas.microsoft.com/office/mac/drawingml/2011/main" xmlns="" val="1"/>
+              <ma14:placeholderFlag xmlns="" xmlns:ma14="http://schemas.microsoft.com/office/mac/drawingml/2011/main" val="1"/>
             </a:ext>
           </a:extLst>
         </p:spPr>
@@ -6410,14 +6410,14 @@
           </a:ln>
           <a:extLst>
             <a:ext uri="{909E8E84-426E-40dd-AFC4-6F175D3DCCD1}">
-              <a14:hiddenFill xmlns:a14="http://schemas.microsoft.com/office/drawing/2010/main" xmlns="">
+              <a14:hiddenFill xmlns="" xmlns:a14="http://schemas.microsoft.com/office/drawing/2010/main">
                 <a:solidFill>
                   <a:srgbClr val="FFFFFF"/>
                 </a:solidFill>
               </a14:hiddenFill>
             </a:ext>
             <a:ext uri="{91240B29-F687-4f45-9708-019B960494DF}">
-              <a14:hiddenLine xmlns:a14="http://schemas.microsoft.com/office/drawing/2010/main" xmlns="" w="9525">
+              <a14:hiddenLine xmlns="" xmlns:a14="http://schemas.microsoft.com/office/drawing/2010/main" w="9525">
                 <a:solidFill>
                   <a:srgbClr val="000000"/>
                 </a:solidFill>
@@ -6605,7 +6605,7 @@
           </a:ln>
           <a:extLst>
             <a:ext uri="{909E8E84-426E-40dd-AFC4-6F175D3DCCD1}">
-              <a14:hiddenFill xmlns:a14="http://schemas.microsoft.com/office/drawing/2010/main" xmlns="">
+              <a14:hiddenFill xmlns="" xmlns:a14="http://schemas.microsoft.com/office/drawing/2010/main">
                 <a:noFill/>
               </a14:hiddenFill>
             </a:ext>
@@ -6640,14 +6640,14 @@
           </a:ln>
           <a:extLst>
             <a:ext uri="{909E8E84-426E-40dd-AFC4-6F175D3DCCD1}">
-              <a14:hiddenFill xmlns:a14="http://schemas.microsoft.com/office/drawing/2010/main" xmlns="">
+              <a14:hiddenFill xmlns="" xmlns:a14="http://schemas.microsoft.com/office/drawing/2010/main">
                 <a:solidFill>
                   <a:srgbClr val="FFFFFF"/>
                 </a:solidFill>
               </a14:hiddenFill>
             </a:ext>
             <a:ext uri="{91240B29-F687-4f45-9708-019B960494DF}">
-              <a14:hiddenLine xmlns:a14="http://schemas.microsoft.com/office/drawing/2010/main" xmlns="" w="9525">
+              <a14:hiddenLine xmlns="" xmlns:a14="http://schemas.microsoft.com/office/drawing/2010/main" w="9525">
                 <a:solidFill>
                   <a:srgbClr val="000000"/>
                 </a:solidFill>
@@ -6843,7 +6843,7 @@
           </a:ln>
           <a:extLst>
             <a:ext uri="{909E8E84-426E-40dd-AFC4-6F175D3DCCD1}">
-              <a14:hiddenFill xmlns:a14="http://schemas.microsoft.com/office/drawing/2010/main" xmlns="">
+              <a14:hiddenFill xmlns="" xmlns:a14="http://schemas.microsoft.com/office/drawing/2010/main">
                 <a:noFill/>
               </a14:hiddenFill>
             </a:ext>
@@ -6883,7 +6883,7 @@
           </a:ln>
           <a:extLst>
             <a:ext uri="{909E8E84-426E-40dd-AFC4-6F175D3DCCD1}">
-              <a14:hiddenFill xmlns:a14="http://schemas.microsoft.com/office/drawing/2010/main" xmlns="">
+              <a14:hiddenFill xmlns="" xmlns:a14="http://schemas.microsoft.com/office/drawing/2010/main">
                 <a:noFill/>
               </a14:hiddenFill>
             </a:ext>
@@ -6942,14 +6942,14 @@
           </a:ln>
           <a:extLst>
             <a:ext uri="{909E8E84-426E-40dd-AFC4-6F175D3DCCD1}">
-              <a14:hiddenFill xmlns:a14="http://schemas.microsoft.com/office/drawing/2010/main" xmlns="">
+              <a14:hiddenFill xmlns="" xmlns:a14="http://schemas.microsoft.com/office/drawing/2010/main">
                 <a:solidFill>
                   <a:srgbClr val="FFFFFF"/>
                 </a:solidFill>
               </a14:hiddenFill>
             </a:ext>
             <a:ext uri="{91240B29-F687-4f45-9708-019B960494DF}">
-              <a14:hiddenLine xmlns:a14="http://schemas.microsoft.com/office/drawing/2010/main" xmlns="" w="9525">
+              <a14:hiddenLine xmlns="" xmlns:a14="http://schemas.microsoft.com/office/drawing/2010/main" w="9525">
                 <a:solidFill>
                   <a:srgbClr val="000000"/>
                 </a:solidFill>
@@ -6959,7 +6959,7 @@
               </a14:hiddenLine>
             </a:ext>
             <a:ext uri="{FAA26D3D-D897-4be2-8F04-BA451C77F1D7}">
-              <ma14:placeholderFlag xmlns:ma14="http://schemas.microsoft.com/office/mac/drawingml/2011/main" xmlns="" val="1"/>
+              <ma14:placeholderFlag xmlns="" xmlns:ma14="http://schemas.microsoft.com/office/mac/drawingml/2011/main" val="1"/>
             </a:ext>
           </a:extLst>
         </p:spPr>
@@ -7338,14 +7338,14 @@
           </a:ln>
           <a:extLst>
             <a:ext uri="{909E8E84-426E-40dd-AFC4-6F175D3DCCD1}">
-              <a14:hiddenFill xmlns:a14="http://schemas.microsoft.com/office/drawing/2010/main" xmlns="">
+              <a14:hiddenFill xmlns="" xmlns:a14="http://schemas.microsoft.com/office/drawing/2010/main">
                 <a:solidFill>
                   <a:srgbClr val="FFFFFF"/>
                 </a:solidFill>
               </a14:hiddenFill>
             </a:ext>
             <a:ext uri="{91240B29-F687-4f45-9708-019B960494DF}">
-              <a14:hiddenLine xmlns:a14="http://schemas.microsoft.com/office/drawing/2010/main" xmlns="" w="9525">
+              <a14:hiddenLine xmlns="" xmlns:a14="http://schemas.microsoft.com/office/drawing/2010/main" w="9525">
                 <a:solidFill>
                   <a:srgbClr val="000000"/>
                 </a:solidFill>
@@ -7355,7 +7355,7 @@
               </a14:hiddenLine>
             </a:ext>
             <a:ext uri="{FAA26D3D-D897-4be2-8F04-BA451C77F1D7}">
-              <ma14:placeholderFlag xmlns:ma14="http://schemas.microsoft.com/office/mac/drawingml/2011/main" xmlns="" val="1"/>
+              <ma14:placeholderFlag xmlns="" xmlns:ma14="http://schemas.microsoft.com/office/mac/drawingml/2011/main" val="1"/>
             </a:ext>
           </a:extLst>
         </p:spPr>
@@ -8393,14 +8393,14 @@
           </a:ln>
           <a:extLst>
             <a:ext uri="{909E8E84-426E-40dd-AFC4-6F175D3DCCD1}">
-              <a14:hiddenFill xmlns:a14="http://schemas.microsoft.com/office/drawing/2010/main" xmlns="">
+              <a14:hiddenFill xmlns="" xmlns:a14="http://schemas.microsoft.com/office/drawing/2010/main">
                 <a:solidFill>
                   <a:srgbClr val="FFFFFF"/>
                 </a:solidFill>
               </a14:hiddenFill>
             </a:ext>
             <a:ext uri="{91240B29-F687-4f45-9708-019B960494DF}">
-              <a14:hiddenLine xmlns:a14="http://schemas.microsoft.com/office/drawing/2010/main" xmlns="" w="9525">
+              <a14:hiddenLine xmlns="" xmlns:a14="http://schemas.microsoft.com/office/drawing/2010/main" w="9525">
                 <a:solidFill>
                   <a:srgbClr val="000000"/>
                 </a:solidFill>
@@ -8410,7 +8410,7 @@
               </a14:hiddenLine>
             </a:ext>
             <a:ext uri="{FAA26D3D-D897-4be2-8F04-BA451C77F1D7}">
-              <ma14:placeholderFlag xmlns:ma14="http://schemas.microsoft.com/office/mac/drawingml/2011/main" xmlns="" val="1"/>
+              <ma14:placeholderFlag xmlns="" xmlns:ma14="http://schemas.microsoft.com/office/mac/drawingml/2011/main" val="1"/>
             </a:ext>
           </a:extLst>
         </p:spPr>
@@ -8781,7 +8781,7 @@
           </a:ln>
           <a:extLst>
             <a:ext uri="{91240B29-F687-4f45-9708-019B960494DF}">
-              <a14:hiddenLine xmlns="" xmlns:a14="http://schemas.microsoft.com/office/drawing/2010/main" w="9525">
+              <a14:hiddenLine xmlns:a14="http://schemas.microsoft.com/office/drawing/2010/main" xmlns="" w="9525">
                 <a:solidFill>
                   <a:srgbClr val="000000"/>
                 </a:solidFill>
@@ -8995,7 +8995,7 @@
             </a:ln>
             <a:extLst>
               <a:ext uri="{91240B29-F687-4f45-9708-019B960494DF}">
-                <a14:hiddenLine xmlns:a14="http://schemas.microsoft.com/office/drawing/2010/main" xmlns="" w="9525">
+                <a14:hiddenLine xmlns="" xmlns:a14="http://schemas.microsoft.com/office/drawing/2010/main" w="9525">
                   <a:solidFill>
                     <a:srgbClr val="000000"/>
                   </a:solidFill>
@@ -9040,14 +9040,14 @@
             </a:ln>
             <a:extLst>
               <a:ext uri="{909E8E84-426E-40dd-AFC4-6F175D3DCCD1}">
-                <a14:hiddenFill xmlns:a14="http://schemas.microsoft.com/office/drawing/2010/main" xmlns="">
+                <a14:hiddenFill xmlns="" xmlns:a14="http://schemas.microsoft.com/office/drawing/2010/main">
                   <a:solidFill>
                     <a:srgbClr val="FFFFFF"/>
                   </a:solidFill>
                 </a14:hiddenFill>
               </a:ext>
               <a:ext uri="{91240B29-F687-4f45-9708-019B960494DF}">
-                <a14:hiddenLine xmlns:a14="http://schemas.microsoft.com/office/drawing/2010/main" xmlns="" w="9525">
+                <a14:hiddenLine xmlns="" xmlns:a14="http://schemas.microsoft.com/office/drawing/2010/main" w="9525">
                   <a:solidFill>
                     <a:srgbClr val="000000"/>
                   </a:solidFill>
@@ -9147,7 +9147,7 @@
             </a:ln>
             <a:extLst>
               <a:ext uri="{91240B29-F687-4f45-9708-019B960494DF}">
-                <a14:hiddenLine xmlns:a14="http://schemas.microsoft.com/office/drawing/2010/main" xmlns="" w="9525">
+                <a14:hiddenLine xmlns="" xmlns:a14="http://schemas.microsoft.com/office/drawing/2010/main" w="9525">
                   <a:solidFill>
                     <a:srgbClr val="000000"/>
                   </a:solidFill>
@@ -9192,14 +9192,14 @@
             </a:ln>
             <a:extLst>
               <a:ext uri="{909E8E84-426E-40dd-AFC4-6F175D3DCCD1}">
-                <a14:hiddenFill xmlns:a14="http://schemas.microsoft.com/office/drawing/2010/main" xmlns="">
+                <a14:hiddenFill xmlns="" xmlns:a14="http://schemas.microsoft.com/office/drawing/2010/main">
                   <a:solidFill>
                     <a:srgbClr val="FFFFFF"/>
                   </a:solidFill>
                 </a14:hiddenFill>
               </a:ext>
               <a:ext uri="{91240B29-F687-4f45-9708-019B960494DF}">
-                <a14:hiddenLine xmlns:a14="http://schemas.microsoft.com/office/drawing/2010/main" xmlns="" w="9525">
+                <a14:hiddenLine xmlns="" xmlns:a14="http://schemas.microsoft.com/office/drawing/2010/main" w="9525">
                   <a:solidFill>
                     <a:srgbClr val="000000"/>
                   </a:solidFill>
@@ -9315,7 +9315,7 @@
             </a:ln>
             <a:extLst>
               <a:ext uri="{91240B29-F687-4f45-9708-019B960494DF}">
-                <a14:hiddenLine xmlns:a14="http://schemas.microsoft.com/office/drawing/2010/main" xmlns="" w="9525">
+                <a14:hiddenLine xmlns="" xmlns:a14="http://schemas.microsoft.com/office/drawing/2010/main" w="9525">
                   <a:solidFill>
                     <a:srgbClr val="000000"/>
                   </a:solidFill>
@@ -9360,14 +9360,14 @@
             </a:ln>
             <a:extLst>
               <a:ext uri="{909E8E84-426E-40dd-AFC4-6F175D3DCCD1}">
-                <a14:hiddenFill xmlns:a14="http://schemas.microsoft.com/office/drawing/2010/main" xmlns="">
+                <a14:hiddenFill xmlns="" xmlns:a14="http://schemas.microsoft.com/office/drawing/2010/main">
                   <a:solidFill>
                     <a:srgbClr val="FFFFFF"/>
                   </a:solidFill>
                 </a14:hiddenFill>
               </a:ext>
               <a:ext uri="{91240B29-F687-4f45-9708-019B960494DF}">
-                <a14:hiddenLine xmlns:a14="http://schemas.microsoft.com/office/drawing/2010/main" xmlns="" w="9525">
+                <a14:hiddenLine xmlns="" xmlns:a14="http://schemas.microsoft.com/office/drawing/2010/main" w="9525">
                   <a:solidFill>
                     <a:srgbClr val="000000"/>
                   </a:solidFill>
@@ -9480,7 +9480,7 @@
             </a:ln>
             <a:extLst>
               <a:ext uri="{91240B29-F687-4f45-9708-019B960494DF}">
-                <a14:hiddenLine xmlns:a14="http://schemas.microsoft.com/office/drawing/2010/main" xmlns="" w="9525">
+                <a14:hiddenLine xmlns="" xmlns:a14="http://schemas.microsoft.com/office/drawing/2010/main" w="9525">
                   <a:solidFill>
                     <a:srgbClr val="000000"/>
                   </a:solidFill>
@@ -9525,14 +9525,14 @@
             </a:ln>
             <a:extLst>
               <a:ext uri="{909E8E84-426E-40dd-AFC4-6F175D3DCCD1}">
-                <a14:hiddenFill xmlns:a14="http://schemas.microsoft.com/office/drawing/2010/main" xmlns="">
+                <a14:hiddenFill xmlns="" xmlns:a14="http://schemas.microsoft.com/office/drawing/2010/main">
                   <a:solidFill>
                     <a:srgbClr val="FFFFFF"/>
                   </a:solidFill>
                 </a14:hiddenFill>
               </a:ext>
               <a:ext uri="{91240B29-F687-4f45-9708-019B960494DF}">
-                <a14:hiddenLine xmlns:a14="http://schemas.microsoft.com/office/drawing/2010/main" xmlns="" w="9525">
+                <a14:hiddenLine xmlns="" xmlns:a14="http://schemas.microsoft.com/office/drawing/2010/main" w="9525">
                   <a:solidFill>
                     <a:srgbClr val="000000"/>
                   </a:solidFill>
@@ -9632,7 +9632,7 @@
           </a:ln>
           <a:extLst>
             <a:ext uri="{909E8E84-426E-40dd-AFC4-6F175D3DCCD1}">
-              <a14:hiddenFill xmlns:a14="http://schemas.microsoft.com/office/drawing/2010/main" xmlns="">
+              <a14:hiddenFill xmlns="" xmlns:a14="http://schemas.microsoft.com/office/drawing/2010/main">
                 <a:noFill/>
               </a14:hiddenFill>
             </a:ext>
@@ -9679,7 +9679,7 @@
             </a:ln>
             <a:extLst>
               <a:ext uri="{91240B29-F687-4f45-9708-019B960494DF}">
-                <a14:hiddenLine xmlns:a14="http://schemas.microsoft.com/office/drawing/2010/main" xmlns="" w="9525">
+                <a14:hiddenLine xmlns="" xmlns:a14="http://schemas.microsoft.com/office/drawing/2010/main" w="9525">
                   <a:solidFill>
                     <a:srgbClr val="000000"/>
                   </a:solidFill>
@@ -9724,14 +9724,14 @@
             </a:ln>
             <a:extLst>
               <a:ext uri="{909E8E84-426E-40dd-AFC4-6F175D3DCCD1}">
-                <a14:hiddenFill xmlns:a14="http://schemas.microsoft.com/office/drawing/2010/main" xmlns="">
+                <a14:hiddenFill xmlns="" xmlns:a14="http://schemas.microsoft.com/office/drawing/2010/main">
                   <a:solidFill>
                     <a:srgbClr val="FFFFFF"/>
                   </a:solidFill>
                 </a14:hiddenFill>
               </a:ext>
               <a:ext uri="{91240B29-F687-4f45-9708-019B960494DF}">
-                <a14:hiddenLine xmlns:a14="http://schemas.microsoft.com/office/drawing/2010/main" xmlns="" w="9525">
+                <a14:hiddenLine xmlns="" xmlns:a14="http://schemas.microsoft.com/office/drawing/2010/main" w="9525">
                   <a:solidFill>
                     <a:srgbClr val="000000"/>
                   </a:solidFill>
@@ -9831,7 +9831,7 @@
             </a:ln>
             <a:extLst>
               <a:ext uri="{91240B29-F687-4f45-9708-019B960494DF}">
-                <a14:hiddenLine xmlns:a14="http://schemas.microsoft.com/office/drawing/2010/main" xmlns="" w="9525">
+                <a14:hiddenLine xmlns="" xmlns:a14="http://schemas.microsoft.com/office/drawing/2010/main" w="9525">
                   <a:solidFill>
                     <a:srgbClr val="000000"/>
                   </a:solidFill>
@@ -9876,14 +9876,14 @@
             </a:ln>
             <a:extLst>
               <a:ext uri="{909E8E84-426E-40dd-AFC4-6F175D3DCCD1}">
-                <a14:hiddenFill xmlns:a14="http://schemas.microsoft.com/office/drawing/2010/main" xmlns="">
+                <a14:hiddenFill xmlns="" xmlns:a14="http://schemas.microsoft.com/office/drawing/2010/main">
                   <a:solidFill>
                     <a:srgbClr val="FFFFFF"/>
                   </a:solidFill>
                 </a14:hiddenFill>
               </a:ext>
               <a:ext uri="{91240B29-F687-4f45-9708-019B960494DF}">
-                <a14:hiddenLine xmlns:a14="http://schemas.microsoft.com/office/drawing/2010/main" xmlns="" w="9525">
+                <a14:hiddenLine xmlns="" xmlns:a14="http://schemas.microsoft.com/office/drawing/2010/main" w="9525">
                   <a:solidFill>
                     <a:srgbClr val="000000"/>
                   </a:solidFill>
@@ -9983,7 +9983,7 @@
             </a:ln>
             <a:extLst>
               <a:ext uri="{91240B29-F687-4f45-9708-019B960494DF}">
-                <a14:hiddenLine xmlns:a14="http://schemas.microsoft.com/office/drawing/2010/main" xmlns="" w="9525">
+                <a14:hiddenLine xmlns="" xmlns:a14="http://schemas.microsoft.com/office/drawing/2010/main" w="9525">
                   <a:solidFill>
                     <a:srgbClr val="000000"/>
                   </a:solidFill>
@@ -10028,14 +10028,14 @@
             </a:ln>
             <a:extLst>
               <a:ext uri="{909E8E84-426E-40dd-AFC4-6F175D3DCCD1}">
-                <a14:hiddenFill xmlns:a14="http://schemas.microsoft.com/office/drawing/2010/main" xmlns="">
+                <a14:hiddenFill xmlns="" xmlns:a14="http://schemas.microsoft.com/office/drawing/2010/main">
                   <a:solidFill>
                     <a:srgbClr val="FFFFFF"/>
                   </a:solidFill>
                 </a14:hiddenFill>
               </a:ext>
               <a:ext uri="{91240B29-F687-4f45-9708-019B960494DF}">
-                <a14:hiddenLine xmlns:a14="http://schemas.microsoft.com/office/drawing/2010/main" xmlns="" w="9525">
+                <a14:hiddenLine xmlns="" xmlns:a14="http://schemas.microsoft.com/office/drawing/2010/main" w="9525">
                   <a:solidFill>
                     <a:srgbClr val="000000"/>
                   </a:solidFill>
@@ -10135,7 +10135,7 @@
             </a:ln>
             <a:extLst>
               <a:ext uri="{91240B29-F687-4f45-9708-019B960494DF}">
-                <a14:hiddenLine xmlns:a14="http://schemas.microsoft.com/office/drawing/2010/main" xmlns="" w="9525">
+                <a14:hiddenLine xmlns="" xmlns:a14="http://schemas.microsoft.com/office/drawing/2010/main" w="9525">
                   <a:solidFill>
                     <a:srgbClr val="000000"/>
                   </a:solidFill>
@@ -10180,14 +10180,14 @@
             </a:ln>
             <a:extLst>
               <a:ext uri="{909E8E84-426E-40dd-AFC4-6F175D3DCCD1}">
-                <a14:hiddenFill xmlns:a14="http://schemas.microsoft.com/office/drawing/2010/main" xmlns="">
+                <a14:hiddenFill xmlns="" xmlns:a14="http://schemas.microsoft.com/office/drawing/2010/main">
                   <a:solidFill>
                     <a:srgbClr val="FFFFFF"/>
                   </a:solidFill>
                 </a14:hiddenFill>
               </a:ext>
               <a:ext uri="{91240B29-F687-4f45-9708-019B960494DF}">
-                <a14:hiddenLine xmlns:a14="http://schemas.microsoft.com/office/drawing/2010/main" xmlns="" w="9525">
+                <a14:hiddenLine xmlns="" xmlns:a14="http://schemas.microsoft.com/office/drawing/2010/main" w="9525">
                   <a:solidFill>
                     <a:srgbClr val="000000"/>
                   </a:solidFill>
@@ -10308,7 +10308,7 @@
             </a:ln>
             <a:extLst>
               <a:ext uri="{91240B29-F687-4f45-9708-019B960494DF}">
-                <a14:hiddenLine xmlns:a14="http://schemas.microsoft.com/office/drawing/2010/main" xmlns="" w="9525">
+                <a14:hiddenLine xmlns="" xmlns:a14="http://schemas.microsoft.com/office/drawing/2010/main" w="9525">
                   <a:solidFill>
                     <a:srgbClr val="000000"/>
                   </a:solidFill>
@@ -10353,14 +10353,14 @@
             </a:ln>
             <a:extLst>
               <a:ext uri="{909E8E84-426E-40dd-AFC4-6F175D3DCCD1}">
-                <a14:hiddenFill xmlns:a14="http://schemas.microsoft.com/office/drawing/2010/main" xmlns="">
+                <a14:hiddenFill xmlns="" xmlns:a14="http://schemas.microsoft.com/office/drawing/2010/main">
                   <a:solidFill>
                     <a:srgbClr val="FFFFFF"/>
                   </a:solidFill>
                 </a14:hiddenFill>
               </a:ext>
               <a:ext uri="{91240B29-F687-4f45-9708-019B960494DF}">
-                <a14:hiddenLine xmlns:a14="http://schemas.microsoft.com/office/drawing/2010/main" xmlns="" w="9525">
+                <a14:hiddenLine xmlns="" xmlns:a14="http://schemas.microsoft.com/office/drawing/2010/main" w="9525">
                   <a:solidFill>
                     <a:srgbClr val="000000"/>
                   </a:solidFill>
@@ -10460,7 +10460,7 @@
           </a:ln>
           <a:extLst>
             <a:ext uri="{909E8E84-426E-40dd-AFC4-6F175D3DCCD1}">
-              <a14:hiddenFill xmlns:a14="http://schemas.microsoft.com/office/drawing/2010/main" xmlns="">
+              <a14:hiddenFill xmlns="" xmlns:a14="http://schemas.microsoft.com/office/drawing/2010/main">
                 <a:noFill/>
               </a14:hiddenFill>
             </a:ext>
@@ -10507,7 +10507,7 @@
             </a:ln>
             <a:extLst>
               <a:ext uri="{91240B29-F687-4f45-9708-019B960494DF}">
-                <a14:hiddenLine xmlns:a14="http://schemas.microsoft.com/office/drawing/2010/main" xmlns="" w="9525">
+                <a14:hiddenLine xmlns="" xmlns:a14="http://schemas.microsoft.com/office/drawing/2010/main" w="9525">
                   <a:solidFill>
                     <a:srgbClr val="000000"/>
                   </a:solidFill>
@@ -10552,14 +10552,14 @@
             </a:ln>
             <a:extLst>
               <a:ext uri="{909E8E84-426E-40dd-AFC4-6F175D3DCCD1}">
-                <a14:hiddenFill xmlns:a14="http://schemas.microsoft.com/office/drawing/2010/main" xmlns="">
+                <a14:hiddenFill xmlns="" xmlns:a14="http://schemas.microsoft.com/office/drawing/2010/main">
                   <a:solidFill>
                     <a:srgbClr val="FFFFFF"/>
                   </a:solidFill>
                 </a14:hiddenFill>
               </a:ext>
               <a:ext uri="{91240B29-F687-4f45-9708-019B960494DF}">
-                <a14:hiddenLine xmlns:a14="http://schemas.microsoft.com/office/drawing/2010/main" xmlns="" w="9525">
+                <a14:hiddenLine xmlns="" xmlns:a14="http://schemas.microsoft.com/office/drawing/2010/main" w="9525">
                   <a:solidFill>
                     <a:srgbClr val="000000"/>
                   </a:solidFill>
@@ -10981,7 +10981,7 @@
           </a:ln>
           <a:extLst>
             <a:ext uri="{909E8E84-426E-40dd-AFC4-6F175D3DCCD1}">
-              <a14:hiddenFill xmlns:a14="http://schemas.microsoft.com/office/drawing/2010/main" xmlns="">
+              <a14:hiddenFill xmlns="" xmlns:a14="http://schemas.microsoft.com/office/drawing/2010/main">
                 <a:solidFill>
                   <a:srgbClr val="FFFFFF"/>
                 </a:solidFill>
@@ -11089,7 +11089,7 @@
           </a:ln>
           <a:extLst>
             <a:ext uri="{91240B29-F687-4f45-9708-019B960494DF}">
-              <a14:hiddenLine xmlns="" xmlns:a14="http://schemas.microsoft.com/office/drawing/2010/main" w="9525">
+              <a14:hiddenLine xmlns:a14="http://schemas.microsoft.com/office/drawing/2010/main" xmlns="" w="9525">
                 <a:solidFill>
                   <a:srgbClr val="000000"/>
                 </a:solidFill>
@@ -11668,7 +11668,7 @@
             </a:ln>
             <a:extLst>
               <a:ext uri="{91240B29-F687-4f45-9708-019B960494DF}">
-                <a14:hiddenLine xmlns:a14="http://schemas.microsoft.com/office/drawing/2010/main" xmlns="" w="9525">
+                <a14:hiddenLine xmlns="" xmlns:a14="http://schemas.microsoft.com/office/drawing/2010/main" w="9525">
                   <a:solidFill>
                     <a:srgbClr val="000000"/>
                   </a:solidFill>
@@ -11719,14 +11719,14 @@
             </a:ln>
             <a:extLst>
               <a:ext uri="{909E8E84-426E-40dd-AFC4-6F175D3DCCD1}">
-                <a14:hiddenFill xmlns:a14="http://schemas.microsoft.com/office/drawing/2010/main" xmlns="">
+                <a14:hiddenFill xmlns="" xmlns:a14="http://schemas.microsoft.com/office/drawing/2010/main">
                   <a:solidFill>
                     <a:srgbClr val="FFFFFF"/>
                   </a:solidFill>
                 </a14:hiddenFill>
               </a:ext>
               <a:ext uri="{91240B29-F687-4f45-9708-019B960494DF}">
-                <a14:hiddenLine xmlns:a14="http://schemas.microsoft.com/office/drawing/2010/main" xmlns="" w="9525">
+                <a14:hiddenLine xmlns="" xmlns:a14="http://schemas.microsoft.com/office/drawing/2010/main" w="9525">
                   <a:solidFill>
                     <a:srgbClr val="000000"/>
                   </a:solidFill>
@@ -11874,7 +11874,7 @@
             </a:ln>
             <a:extLst>
               <a:ext uri="{91240B29-F687-4f45-9708-019B960494DF}">
-                <a14:hiddenLine xmlns:a14="http://schemas.microsoft.com/office/drawing/2010/main" xmlns="" w="9525">
+                <a14:hiddenLine xmlns="" xmlns:a14="http://schemas.microsoft.com/office/drawing/2010/main" w="9525">
                   <a:solidFill>
                     <a:srgbClr val="000000"/>
                   </a:solidFill>
@@ -11925,14 +11925,14 @@
             </a:ln>
             <a:extLst>
               <a:ext uri="{909E8E84-426E-40dd-AFC4-6F175D3DCCD1}">
-                <a14:hiddenFill xmlns:a14="http://schemas.microsoft.com/office/drawing/2010/main" xmlns="">
+                <a14:hiddenFill xmlns="" xmlns:a14="http://schemas.microsoft.com/office/drawing/2010/main">
                   <a:solidFill>
                     <a:srgbClr val="FFFFFF"/>
                   </a:solidFill>
                 </a14:hiddenFill>
               </a:ext>
               <a:ext uri="{91240B29-F687-4f45-9708-019B960494DF}">
-                <a14:hiddenLine xmlns:a14="http://schemas.microsoft.com/office/drawing/2010/main" xmlns="" w="9525">
+                <a14:hiddenLine xmlns="" xmlns:a14="http://schemas.microsoft.com/office/drawing/2010/main" w="9525">
                   <a:solidFill>
                     <a:srgbClr val="000000"/>
                   </a:solidFill>
@@ -12419,7 +12419,7 @@
             </a:ln>
             <a:extLst>
               <a:ext uri="{91240B29-F687-4f45-9708-019B960494DF}">
-                <a14:hiddenLine xmlns:a14="http://schemas.microsoft.com/office/drawing/2010/main" xmlns="" w="9525">
+                <a14:hiddenLine xmlns="" xmlns:a14="http://schemas.microsoft.com/office/drawing/2010/main" w="9525">
                   <a:solidFill>
                     <a:srgbClr val="000000"/>
                   </a:solidFill>
@@ -12470,14 +12470,14 @@
             </a:ln>
             <a:extLst>
               <a:ext uri="{909E8E84-426E-40dd-AFC4-6F175D3DCCD1}">
-                <a14:hiddenFill xmlns:a14="http://schemas.microsoft.com/office/drawing/2010/main" xmlns="">
+                <a14:hiddenFill xmlns="" xmlns:a14="http://schemas.microsoft.com/office/drawing/2010/main">
                   <a:solidFill>
                     <a:srgbClr val="FFFFFF"/>
                   </a:solidFill>
                 </a14:hiddenFill>
               </a:ext>
               <a:ext uri="{91240B29-F687-4f45-9708-019B960494DF}">
-                <a14:hiddenLine xmlns:a14="http://schemas.microsoft.com/office/drawing/2010/main" xmlns="" w="9525">
+                <a14:hiddenLine xmlns="" xmlns:a14="http://schemas.microsoft.com/office/drawing/2010/main" w="9525">
                   <a:solidFill>
                     <a:srgbClr val="000000"/>
                   </a:solidFill>
@@ -12813,7 +12813,7 @@
             </a:ln>
             <a:extLst>
               <a:ext uri="{91240B29-F687-4f45-9708-019B960494DF}">
-                <a14:hiddenLine xmlns:a14="http://schemas.microsoft.com/office/drawing/2010/main" xmlns="" w="9525">
+                <a14:hiddenLine xmlns="" xmlns:a14="http://schemas.microsoft.com/office/drawing/2010/main" w="9525">
                   <a:solidFill>
                     <a:srgbClr val="000000"/>
                   </a:solidFill>
@@ -12864,14 +12864,14 @@
             </a:ln>
             <a:extLst>
               <a:ext uri="{909E8E84-426E-40dd-AFC4-6F175D3DCCD1}">
-                <a14:hiddenFill xmlns:a14="http://schemas.microsoft.com/office/drawing/2010/main" xmlns="">
+                <a14:hiddenFill xmlns="" xmlns:a14="http://schemas.microsoft.com/office/drawing/2010/main">
                   <a:solidFill>
                     <a:srgbClr val="FFFFFF"/>
                   </a:solidFill>
                 </a14:hiddenFill>
               </a:ext>
               <a:ext uri="{91240B29-F687-4f45-9708-019B960494DF}">
-                <a14:hiddenLine xmlns:a14="http://schemas.microsoft.com/office/drawing/2010/main" xmlns="" w="9525">
+                <a14:hiddenLine xmlns="" xmlns:a14="http://schemas.microsoft.com/office/drawing/2010/main" w="9525">
                   <a:solidFill>
                     <a:srgbClr val="000000"/>
                   </a:solidFill>
@@ -13403,7 +13403,7 @@
             </a:ln>
             <a:extLst>
               <a:ext uri="{91240B29-F687-4f45-9708-019B960494DF}">
-                <a14:hiddenLine xmlns:a14="http://schemas.microsoft.com/office/drawing/2010/main" xmlns="" w="9525">
+                <a14:hiddenLine xmlns="" xmlns:a14="http://schemas.microsoft.com/office/drawing/2010/main" w="9525">
                   <a:solidFill>
                     <a:srgbClr val="000000"/>
                   </a:solidFill>
@@ -13454,14 +13454,14 @@
             </a:ln>
             <a:extLst>
               <a:ext uri="{909E8E84-426E-40dd-AFC4-6F175D3DCCD1}">
-                <a14:hiddenFill xmlns:a14="http://schemas.microsoft.com/office/drawing/2010/main" xmlns="">
+                <a14:hiddenFill xmlns="" xmlns:a14="http://schemas.microsoft.com/office/drawing/2010/main">
                   <a:solidFill>
                     <a:srgbClr val="FFFFFF"/>
                   </a:solidFill>
                 </a14:hiddenFill>
               </a:ext>
               <a:ext uri="{91240B29-F687-4f45-9708-019B960494DF}">
-                <a14:hiddenLine xmlns:a14="http://schemas.microsoft.com/office/drawing/2010/main" xmlns="" w="9525">
+                <a14:hiddenLine xmlns="" xmlns:a14="http://schemas.microsoft.com/office/drawing/2010/main" w="9525">
                   <a:solidFill>
                     <a:srgbClr val="000000"/>
                   </a:solidFill>
@@ -14044,7 +14044,7 @@
             </a:ln>
             <a:extLst>
               <a:ext uri="{91240B29-F687-4f45-9708-019B960494DF}">
-                <a14:hiddenLine xmlns:a14="http://schemas.microsoft.com/office/drawing/2010/main" xmlns="" w="9525">
+                <a14:hiddenLine xmlns="" xmlns:a14="http://schemas.microsoft.com/office/drawing/2010/main" w="9525">
                   <a:solidFill>
                     <a:srgbClr val="000000"/>
                   </a:solidFill>
@@ -14095,14 +14095,14 @@
             </a:ln>
             <a:extLst>
               <a:ext uri="{909E8E84-426E-40dd-AFC4-6F175D3DCCD1}">
-                <a14:hiddenFill xmlns:a14="http://schemas.microsoft.com/office/drawing/2010/main" xmlns="">
+                <a14:hiddenFill xmlns="" xmlns:a14="http://schemas.microsoft.com/office/drawing/2010/main">
                   <a:solidFill>
                     <a:srgbClr val="FFFFFF"/>
                   </a:solidFill>
                 </a14:hiddenFill>
               </a:ext>
               <a:ext uri="{91240B29-F687-4f45-9708-019B960494DF}">
-                <a14:hiddenLine xmlns:a14="http://schemas.microsoft.com/office/drawing/2010/main" xmlns="" w="9525">
+                <a14:hiddenLine xmlns="" xmlns:a14="http://schemas.microsoft.com/office/drawing/2010/main" w="9525">
                   <a:solidFill>
                     <a:srgbClr val="000000"/>
                   </a:solidFill>
@@ -14850,14 +14850,14 @@
           </a:ln>
           <a:extLst>
             <a:ext uri="{909E8E84-426E-40dd-AFC4-6F175D3DCCD1}">
-              <a14:hiddenFill xmlns:a14="http://schemas.microsoft.com/office/drawing/2010/main" xmlns="">
+              <a14:hiddenFill xmlns="" xmlns:a14="http://schemas.microsoft.com/office/drawing/2010/main">
                 <a:solidFill>
                   <a:srgbClr val="FFFFFF"/>
                 </a:solidFill>
               </a14:hiddenFill>
             </a:ext>
             <a:ext uri="{91240B29-F687-4f45-9708-019B960494DF}">
-              <a14:hiddenLine xmlns:a14="http://schemas.microsoft.com/office/drawing/2010/main" xmlns="" w="9525">
+              <a14:hiddenLine xmlns="" xmlns:a14="http://schemas.microsoft.com/office/drawing/2010/main" w="9525">
                 <a:solidFill>
                   <a:srgbClr val="000000"/>
                 </a:solidFill>
@@ -14867,7 +14867,7 @@
               </a14:hiddenLine>
             </a:ext>
             <a:ext uri="{FAA26D3D-D897-4be2-8F04-BA451C77F1D7}">
-              <ma14:placeholderFlag xmlns:ma14="http://schemas.microsoft.com/office/mac/drawingml/2011/main" xmlns="" val="1"/>
+              <ma14:placeholderFlag xmlns="" xmlns:ma14="http://schemas.microsoft.com/office/mac/drawingml/2011/main" val="1"/>
             </a:ext>
           </a:extLst>
         </p:spPr>
@@ -15338,7 +15338,7 @@
           </a:ln>
           <a:extLst>
             <a:ext uri="{91240B29-F687-4f45-9708-019B960494DF}">
-              <a14:hiddenLine xmlns="" xmlns:a14="http://schemas.microsoft.com/office/drawing/2010/main" w="9525">
+              <a14:hiddenLine xmlns:a14="http://schemas.microsoft.com/office/drawing/2010/main" xmlns="" w="9525">
                 <a:solidFill>
                   <a:srgbClr val="000000"/>
                 </a:solidFill>
@@ -15686,7 +15686,7 @@
           </a:ln>
           <a:extLst>
             <a:ext uri="{91240B29-F687-4f45-9708-019B960494DF}">
-              <a14:hiddenLine xmlns="" xmlns:a14="http://schemas.microsoft.com/office/drawing/2010/main" w="9525">
+              <a14:hiddenLine xmlns:a14="http://schemas.microsoft.com/office/drawing/2010/main" xmlns="" w="9525">
                 <a:solidFill>
                   <a:srgbClr val="000000"/>
                 </a:solidFill>
@@ -21441,7 +21441,7 @@
             </a:ln>
             <a:extLst>
               <a:ext uri="{91240B29-F687-4f45-9708-019B960494DF}">
-                <a14:hiddenLine xmlns:a14="http://schemas.microsoft.com/office/drawing/2010/main" xmlns="" w="9525">
+                <a14:hiddenLine xmlns="" xmlns:a14="http://schemas.microsoft.com/office/drawing/2010/main" w="9525">
                   <a:solidFill>
                     <a:srgbClr val="000000"/>
                   </a:solidFill>
@@ -21492,14 +21492,14 @@
             </a:ln>
             <a:extLst>
               <a:ext uri="{909E8E84-426E-40dd-AFC4-6F175D3DCCD1}">
-                <a14:hiddenFill xmlns:a14="http://schemas.microsoft.com/office/drawing/2010/main" xmlns="">
+                <a14:hiddenFill xmlns="" xmlns:a14="http://schemas.microsoft.com/office/drawing/2010/main">
                   <a:solidFill>
                     <a:srgbClr val="FFFFFF"/>
                   </a:solidFill>
                 </a14:hiddenFill>
               </a:ext>
               <a:ext uri="{91240B29-F687-4f45-9708-019B960494DF}">
-                <a14:hiddenLine xmlns:a14="http://schemas.microsoft.com/office/drawing/2010/main" xmlns="" w="9525">
+                <a14:hiddenLine xmlns="" xmlns:a14="http://schemas.microsoft.com/office/drawing/2010/main" w="9525">
                   <a:solidFill>
                     <a:srgbClr val="000000"/>
                   </a:solidFill>
@@ -21841,7 +21841,7 @@
             </a:ln>
             <a:extLst>
               <a:ext uri="{91240B29-F687-4f45-9708-019B960494DF}">
-                <a14:hiddenLine xmlns:a14="http://schemas.microsoft.com/office/drawing/2010/main" xmlns="" w="9525">
+                <a14:hiddenLine xmlns="" xmlns:a14="http://schemas.microsoft.com/office/drawing/2010/main" w="9525">
                   <a:solidFill>
                     <a:srgbClr val="000000"/>
                   </a:solidFill>
@@ -21892,14 +21892,14 @@
             </a:ln>
             <a:extLst>
               <a:ext uri="{909E8E84-426E-40dd-AFC4-6F175D3DCCD1}">
-                <a14:hiddenFill xmlns:a14="http://schemas.microsoft.com/office/drawing/2010/main" xmlns="">
+                <a14:hiddenFill xmlns="" xmlns:a14="http://schemas.microsoft.com/office/drawing/2010/main">
                   <a:solidFill>
                     <a:srgbClr val="FFFFFF"/>
                   </a:solidFill>
                 </a14:hiddenFill>
               </a:ext>
               <a:ext uri="{91240B29-F687-4f45-9708-019B960494DF}">
-                <a14:hiddenLine xmlns:a14="http://schemas.microsoft.com/office/drawing/2010/main" xmlns="" w="9525">
+                <a14:hiddenLine xmlns="" xmlns:a14="http://schemas.microsoft.com/office/drawing/2010/main" w="9525">
                   <a:solidFill>
                     <a:srgbClr val="000000"/>
                   </a:solidFill>
@@ -22698,7 +22698,7 @@
             </a:ln>
             <a:extLst>
               <a:ext uri="{91240B29-F687-4f45-9708-019B960494DF}">
-                <a14:hiddenLine xmlns:a14="http://schemas.microsoft.com/office/drawing/2010/main" xmlns="" w="9525">
+                <a14:hiddenLine xmlns="" xmlns:a14="http://schemas.microsoft.com/office/drawing/2010/main" w="9525">
                   <a:solidFill>
                     <a:srgbClr val="000000"/>
                   </a:solidFill>
@@ -22749,14 +22749,14 @@
             </a:ln>
             <a:extLst>
               <a:ext uri="{909E8E84-426E-40dd-AFC4-6F175D3DCCD1}">
-                <a14:hiddenFill xmlns:a14="http://schemas.microsoft.com/office/drawing/2010/main" xmlns="">
+                <a14:hiddenFill xmlns="" xmlns:a14="http://schemas.microsoft.com/office/drawing/2010/main">
                   <a:solidFill>
                     <a:srgbClr val="FFFFFF"/>
                   </a:solidFill>
                 </a14:hiddenFill>
               </a:ext>
               <a:ext uri="{91240B29-F687-4f45-9708-019B960494DF}">
-                <a14:hiddenLine xmlns:a14="http://schemas.microsoft.com/office/drawing/2010/main" xmlns="" w="9525">
+                <a14:hiddenLine xmlns="" xmlns:a14="http://schemas.microsoft.com/office/drawing/2010/main" w="9525">
                   <a:solidFill>
                     <a:srgbClr val="000000"/>
                   </a:solidFill>
@@ -22909,7 +22909,7 @@
             </a:ln>
             <a:extLst>
               <a:ext uri="{91240B29-F687-4f45-9708-019B960494DF}">
-                <a14:hiddenLine xmlns:a14="http://schemas.microsoft.com/office/drawing/2010/main" xmlns="" w="9525">
+                <a14:hiddenLine xmlns="" xmlns:a14="http://schemas.microsoft.com/office/drawing/2010/main" w="9525">
                   <a:solidFill>
                     <a:srgbClr val="000000"/>
                   </a:solidFill>
@@ -22960,14 +22960,14 @@
             </a:ln>
             <a:extLst>
               <a:ext uri="{909E8E84-426E-40dd-AFC4-6F175D3DCCD1}">
-                <a14:hiddenFill xmlns:a14="http://schemas.microsoft.com/office/drawing/2010/main" xmlns="">
+                <a14:hiddenFill xmlns="" xmlns:a14="http://schemas.microsoft.com/office/drawing/2010/main">
                   <a:solidFill>
                     <a:srgbClr val="FFFFFF"/>
                   </a:solidFill>
                 </a14:hiddenFill>
               </a:ext>
               <a:ext uri="{91240B29-F687-4f45-9708-019B960494DF}">
-                <a14:hiddenLine xmlns:a14="http://schemas.microsoft.com/office/drawing/2010/main" xmlns="" w="9525">
+                <a14:hiddenLine xmlns="" xmlns:a14="http://schemas.microsoft.com/office/drawing/2010/main" w="9525">
                   <a:solidFill>
                     <a:srgbClr val="000000"/>
                   </a:solidFill>
@@ -24322,7 +24322,7 @@
             </a:ln>
             <a:extLst>
               <a:ext uri="{91240B29-F687-4f45-9708-019B960494DF}">
-                <a14:hiddenLine xmlns="" xmlns:a14="http://schemas.microsoft.com/office/drawing/2010/main" w="9525">
+                <a14:hiddenLine xmlns:a14="http://schemas.microsoft.com/office/drawing/2010/main" xmlns="" w="9525">
                   <a:solidFill>
                     <a:srgbClr val="000000"/>
                   </a:solidFill>
@@ -24635,7 +24635,7 @@
             </a:ln>
             <a:extLst>
               <a:ext uri="{91240B29-F687-4f45-9708-019B960494DF}">
-                <a14:hiddenLine xmlns="" xmlns:a14="http://schemas.microsoft.com/office/drawing/2010/main" w="9525">
+                <a14:hiddenLine xmlns:a14="http://schemas.microsoft.com/office/drawing/2010/main" xmlns="" w="9525">
                   <a:solidFill>
                     <a:srgbClr val="000000"/>
                   </a:solidFill>
@@ -25414,7 +25414,7 @@
             </a:ln>
             <a:extLst>
               <a:ext uri="{91240B29-F687-4f45-9708-019B960494DF}">
-                <a14:hiddenLine xmlns:a14="http://schemas.microsoft.com/office/drawing/2010/main" xmlns="" w="9525">
+                <a14:hiddenLine xmlns="" xmlns:a14="http://schemas.microsoft.com/office/drawing/2010/main" w="9525">
                   <a:solidFill>
                     <a:srgbClr val="000000"/>
                   </a:solidFill>
@@ -25459,14 +25459,14 @@
             </a:ln>
             <a:extLst>
               <a:ext uri="{909E8E84-426E-40dd-AFC4-6F175D3DCCD1}">
-                <a14:hiddenFill xmlns:a14="http://schemas.microsoft.com/office/drawing/2010/main" xmlns="">
+                <a14:hiddenFill xmlns="" xmlns:a14="http://schemas.microsoft.com/office/drawing/2010/main">
                   <a:solidFill>
                     <a:srgbClr val="FFFFFF"/>
                   </a:solidFill>
                 </a14:hiddenFill>
               </a:ext>
               <a:ext uri="{91240B29-F687-4f45-9708-019B960494DF}">
-                <a14:hiddenLine xmlns:a14="http://schemas.microsoft.com/office/drawing/2010/main" xmlns="" w="9525">
+                <a14:hiddenLine xmlns="" xmlns:a14="http://schemas.microsoft.com/office/drawing/2010/main" w="9525">
                   <a:solidFill>
                     <a:srgbClr val="000000"/>
                   </a:solidFill>
@@ -25566,7 +25566,7 @@
             </a:ln>
             <a:extLst>
               <a:ext uri="{91240B29-F687-4f45-9708-019B960494DF}">
-                <a14:hiddenLine xmlns:a14="http://schemas.microsoft.com/office/drawing/2010/main" xmlns="" w="9525">
+                <a14:hiddenLine xmlns="" xmlns:a14="http://schemas.microsoft.com/office/drawing/2010/main" w="9525">
                   <a:solidFill>
                     <a:srgbClr val="000000"/>
                   </a:solidFill>
@@ -25611,14 +25611,14 @@
             </a:ln>
             <a:extLst>
               <a:ext uri="{909E8E84-426E-40dd-AFC4-6F175D3DCCD1}">
-                <a14:hiddenFill xmlns:a14="http://schemas.microsoft.com/office/drawing/2010/main" xmlns="">
+                <a14:hiddenFill xmlns="" xmlns:a14="http://schemas.microsoft.com/office/drawing/2010/main">
                   <a:solidFill>
                     <a:srgbClr val="FFFFFF"/>
                   </a:solidFill>
                 </a14:hiddenFill>
               </a:ext>
               <a:ext uri="{91240B29-F687-4f45-9708-019B960494DF}">
-                <a14:hiddenLine xmlns:a14="http://schemas.microsoft.com/office/drawing/2010/main" xmlns="" w="9525">
+                <a14:hiddenLine xmlns="" xmlns:a14="http://schemas.microsoft.com/office/drawing/2010/main" w="9525">
                   <a:solidFill>
                     <a:srgbClr val="000000"/>
                   </a:solidFill>
@@ -25734,7 +25734,7 @@
             </a:ln>
             <a:extLst>
               <a:ext uri="{91240B29-F687-4f45-9708-019B960494DF}">
-                <a14:hiddenLine xmlns:a14="http://schemas.microsoft.com/office/drawing/2010/main" xmlns="" w="9525">
+                <a14:hiddenLine xmlns="" xmlns:a14="http://schemas.microsoft.com/office/drawing/2010/main" w="9525">
                   <a:solidFill>
                     <a:srgbClr val="000000"/>
                   </a:solidFill>
@@ -25779,14 +25779,14 @@
             </a:ln>
             <a:extLst>
               <a:ext uri="{909E8E84-426E-40dd-AFC4-6F175D3DCCD1}">
-                <a14:hiddenFill xmlns:a14="http://schemas.microsoft.com/office/drawing/2010/main" xmlns="">
+                <a14:hiddenFill xmlns="" xmlns:a14="http://schemas.microsoft.com/office/drawing/2010/main">
                   <a:solidFill>
                     <a:srgbClr val="FFFFFF"/>
                   </a:solidFill>
                 </a14:hiddenFill>
               </a:ext>
               <a:ext uri="{91240B29-F687-4f45-9708-019B960494DF}">
-                <a14:hiddenLine xmlns:a14="http://schemas.microsoft.com/office/drawing/2010/main" xmlns="" w="9525">
+                <a14:hiddenLine xmlns="" xmlns:a14="http://schemas.microsoft.com/office/drawing/2010/main" w="9525">
                   <a:solidFill>
                     <a:srgbClr val="000000"/>
                   </a:solidFill>
@@ -25899,7 +25899,7 @@
             </a:ln>
             <a:extLst>
               <a:ext uri="{91240B29-F687-4f45-9708-019B960494DF}">
-                <a14:hiddenLine xmlns:a14="http://schemas.microsoft.com/office/drawing/2010/main" xmlns="" w="9525">
+                <a14:hiddenLine xmlns="" xmlns:a14="http://schemas.microsoft.com/office/drawing/2010/main" w="9525">
                   <a:solidFill>
                     <a:srgbClr val="000000"/>
                   </a:solidFill>
@@ -25944,14 +25944,14 @@
             </a:ln>
             <a:extLst>
               <a:ext uri="{909E8E84-426E-40dd-AFC4-6F175D3DCCD1}">
-                <a14:hiddenFill xmlns:a14="http://schemas.microsoft.com/office/drawing/2010/main" xmlns="">
+                <a14:hiddenFill xmlns="" xmlns:a14="http://schemas.microsoft.com/office/drawing/2010/main">
                   <a:solidFill>
                     <a:srgbClr val="FFFFFF"/>
                   </a:solidFill>
                 </a14:hiddenFill>
               </a:ext>
               <a:ext uri="{91240B29-F687-4f45-9708-019B960494DF}">
-                <a14:hiddenLine xmlns:a14="http://schemas.microsoft.com/office/drawing/2010/main" xmlns="" w="9525">
+                <a14:hiddenLine xmlns="" xmlns:a14="http://schemas.microsoft.com/office/drawing/2010/main" w="9525">
                   <a:solidFill>
                     <a:srgbClr val="000000"/>
                   </a:solidFill>
@@ -26051,7 +26051,7 @@
           </a:ln>
           <a:extLst>
             <a:ext uri="{909E8E84-426E-40dd-AFC4-6F175D3DCCD1}">
-              <a14:hiddenFill xmlns:a14="http://schemas.microsoft.com/office/drawing/2010/main" xmlns="">
+              <a14:hiddenFill xmlns="" xmlns:a14="http://schemas.microsoft.com/office/drawing/2010/main">
                 <a:noFill/>
               </a14:hiddenFill>
             </a:ext>
@@ -26098,7 +26098,7 @@
             </a:ln>
             <a:extLst>
               <a:ext uri="{91240B29-F687-4f45-9708-019B960494DF}">
-                <a14:hiddenLine xmlns:a14="http://schemas.microsoft.com/office/drawing/2010/main" xmlns="" w="9525">
+                <a14:hiddenLine xmlns="" xmlns:a14="http://schemas.microsoft.com/office/drawing/2010/main" w="9525">
                   <a:solidFill>
                     <a:srgbClr val="000000"/>
                   </a:solidFill>
@@ -26143,14 +26143,14 @@
             </a:ln>
             <a:extLst>
               <a:ext uri="{909E8E84-426E-40dd-AFC4-6F175D3DCCD1}">
-                <a14:hiddenFill xmlns:a14="http://schemas.microsoft.com/office/drawing/2010/main" xmlns="">
+                <a14:hiddenFill xmlns="" xmlns:a14="http://schemas.microsoft.com/office/drawing/2010/main">
                   <a:solidFill>
                     <a:srgbClr val="FFFFFF"/>
                   </a:solidFill>
                 </a14:hiddenFill>
               </a:ext>
               <a:ext uri="{91240B29-F687-4f45-9708-019B960494DF}">
-                <a14:hiddenLine xmlns:a14="http://schemas.microsoft.com/office/drawing/2010/main" xmlns="" w="9525">
+                <a14:hiddenLine xmlns="" xmlns:a14="http://schemas.microsoft.com/office/drawing/2010/main" w="9525">
                   <a:solidFill>
                     <a:srgbClr val="000000"/>
                   </a:solidFill>
@@ -26250,7 +26250,7 @@
             </a:ln>
             <a:extLst>
               <a:ext uri="{91240B29-F687-4f45-9708-019B960494DF}">
-                <a14:hiddenLine xmlns:a14="http://schemas.microsoft.com/office/drawing/2010/main" xmlns="" w="9525">
+                <a14:hiddenLine xmlns="" xmlns:a14="http://schemas.microsoft.com/office/drawing/2010/main" w="9525">
                   <a:solidFill>
                     <a:srgbClr val="000000"/>
                   </a:solidFill>
@@ -26295,14 +26295,14 @@
             </a:ln>
             <a:extLst>
               <a:ext uri="{909E8E84-426E-40dd-AFC4-6F175D3DCCD1}">
-                <a14:hiddenFill xmlns:a14="http://schemas.microsoft.com/office/drawing/2010/main" xmlns="">
+                <a14:hiddenFill xmlns="" xmlns:a14="http://schemas.microsoft.com/office/drawing/2010/main">
                   <a:solidFill>
                     <a:srgbClr val="FFFFFF"/>
                   </a:solidFill>
                 </a14:hiddenFill>
               </a:ext>
               <a:ext uri="{91240B29-F687-4f45-9708-019B960494DF}">
-                <a14:hiddenLine xmlns:a14="http://schemas.microsoft.com/office/drawing/2010/main" xmlns="" w="9525">
+                <a14:hiddenLine xmlns="" xmlns:a14="http://schemas.microsoft.com/office/drawing/2010/main" w="9525">
                   <a:solidFill>
                     <a:srgbClr val="000000"/>
                   </a:solidFill>
@@ -26402,7 +26402,7 @@
             </a:ln>
             <a:extLst>
               <a:ext uri="{91240B29-F687-4f45-9708-019B960494DF}">
-                <a14:hiddenLine xmlns:a14="http://schemas.microsoft.com/office/drawing/2010/main" xmlns="" w="9525">
+                <a14:hiddenLine xmlns="" xmlns:a14="http://schemas.microsoft.com/office/drawing/2010/main" w="9525">
                   <a:solidFill>
                     <a:srgbClr val="000000"/>
                   </a:solidFill>
@@ -26447,14 +26447,14 @@
             </a:ln>
             <a:extLst>
               <a:ext uri="{909E8E84-426E-40dd-AFC4-6F175D3DCCD1}">
-                <a14:hiddenFill xmlns:a14="http://schemas.microsoft.com/office/drawing/2010/main" xmlns="">
+                <a14:hiddenFill xmlns="" xmlns:a14="http://schemas.microsoft.com/office/drawing/2010/main">
                   <a:solidFill>
                     <a:srgbClr val="FFFFFF"/>
                   </a:solidFill>
                 </a14:hiddenFill>
               </a:ext>
               <a:ext uri="{91240B29-F687-4f45-9708-019B960494DF}">
-                <a14:hiddenLine xmlns:a14="http://schemas.microsoft.com/office/drawing/2010/main" xmlns="" w="9525">
+                <a14:hiddenLine xmlns="" xmlns:a14="http://schemas.microsoft.com/office/drawing/2010/main" w="9525">
                   <a:solidFill>
                     <a:srgbClr val="000000"/>
                   </a:solidFill>
@@ -26554,7 +26554,7 @@
             </a:ln>
             <a:extLst>
               <a:ext uri="{91240B29-F687-4f45-9708-019B960494DF}">
-                <a14:hiddenLine xmlns:a14="http://schemas.microsoft.com/office/drawing/2010/main" xmlns="" w="9525">
+                <a14:hiddenLine xmlns="" xmlns:a14="http://schemas.microsoft.com/office/drawing/2010/main" w="9525">
                   <a:solidFill>
                     <a:srgbClr val="000000"/>
                   </a:solidFill>
@@ -26599,14 +26599,14 @@
             </a:ln>
             <a:extLst>
               <a:ext uri="{909E8E84-426E-40dd-AFC4-6F175D3DCCD1}">
-                <a14:hiddenFill xmlns:a14="http://schemas.microsoft.com/office/drawing/2010/main" xmlns="">
+                <a14:hiddenFill xmlns="" xmlns:a14="http://schemas.microsoft.com/office/drawing/2010/main">
                   <a:solidFill>
                     <a:srgbClr val="FFFFFF"/>
                   </a:solidFill>
                 </a14:hiddenFill>
               </a:ext>
               <a:ext uri="{91240B29-F687-4f45-9708-019B960494DF}">
-                <a14:hiddenLine xmlns:a14="http://schemas.microsoft.com/office/drawing/2010/main" xmlns="" w="9525">
+                <a14:hiddenLine xmlns="" xmlns:a14="http://schemas.microsoft.com/office/drawing/2010/main" w="9525">
                   <a:solidFill>
                     <a:srgbClr val="000000"/>
                   </a:solidFill>
@@ -26727,7 +26727,7 @@
             </a:ln>
             <a:extLst>
               <a:ext uri="{91240B29-F687-4f45-9708-019B960494DF}">
-                <a14:hiddenLine xmlns:a14="http://schemas.microsoft.com/office/drawing/2010/main" xmlns="" w="9525">
+                <a14:hiddenLine xmlns="" xmlns:a14="http://schemas.microsoft.com/office/drawing/2010/main" w="9525">
                   <a:solidFill>
                     <a:srgbClr val="000000"/>
                   </a:solidFill>
@@ -26772,14 +26772,14 @@
             </a:ln>
             <a:extLst>
               <a:ext uri="{909E8E84-426E-40dd-AFC4-6F175D3DCCD1}">
-                <a14:hiddenFill xmlns:a14="http://schemas.microsoft.com/office/drawing/2010/main" xmlns="">
+                <a14:hiddenFill xmlns="" xmlns:a14="http://schemas.microsoft.com/office/drawing/2010/main">
                   <a:solidFill>
                     <a:srgbClr val="FFFFFF"/>
                   </a:solidFill>
                 </a14:hiddenFill>
               </a:ext>
               <a:ext uri="{91240B29-F687-4f45-9708-019B960494DF}">
-                <a14:hiddenLine xmlns:a14="http://schemas.microsoft.com/office/drawing/2010/main" xmlns="" w="9525">
+                <a14:hiddenLine xmlns="" xmlns:a14="http://schemas.microsoft.com/office/drawing/2010/main" w="9525">
                   <a:solidFill>
                     <a:srgbClr val="000000"/>
                   </a:solidFill>
@@ -26879,7 +26879,7 @@
           </a:ln>
           <a:extLst>
             <a:ext uri="{909E8E84-426E-40dd-AFC4-6F175D3DCCD1}">
-              <a14:hiddenFill xmlns:a14="http://schemas.microsoft.com/office/drawing/2010/main" xmlns="">
+              <a14:hiddenFill xmlns="" xmlns:a14="http://schemas.microsoft.com/office/drawing/2010/main">
                 <a:noFill/>
               </a14:hiddenFill>
             </a:ext>
@@ -26926,7 +26926,7 @@
             </a:ln>
             <a:extLst>
               <a:ext uri="{91240B29-F687-4f45-9708-019B960494DF}">
-                <a14:hiddenLine xmlns:a14="http://schemas.microsoft.com/office/drawing/2010/main" xmlns="" w="9525">
+                <a14:hiddenLine xmlns="" xmlns:a14="http://schemas.microsoft.com/office/drawing/2010/main" w="9525">
                   <a:solidFill>
                     <a:srgbClr val="000000"/>
                   </a:solidFill>
@@ -26971,14 +26971,14 @@
             </a:ln>
             <a:extLst>
               <a:ext uri="{909E8E84-426E-40dd-AFC4-6F175D3DCCD1}">
-                <a14:hiddenFill xmlns:a14="http://schemas.microsoft.com/office/drawing/2010/main" xmlns="">
+                <a14:hiddenFill xmlns="" xmlns:a14="http://schemas.microsoft.com/office/drawing/2010/main">
                   <a:solidFill>
                     <a:srgbClr val="FFFFFF"/>
                   </a:solidFill>
                 </a14:hiddenFill>
               </a:ext>
               <a:ext uri="{91240B29-F687-4f45-9708-019B960494DF}">
-                <a14:hiddenLine xmlns:a14="http://schemas.microsoft.com/office/drawing/2010/main" xmlns="" w="9525">
+                <a14:hiddenLine xmlns="" xmlns:a14="http://schemas.microsoft.com/office/drawing/2010/main" w="9525">
                   <a:solidFill>
                     <a:srgbClr val="000000"/>
                   </a:solidFill>
@@ -27491,7 +27491,7 @@
           </a:ln>
           <a:extLst>
             <a:ext uri="{91240B29-F687-4f45-9708-019B960494DF}">
-              <a14:hiddenLine xmlns:a14="http://schemas.microsoft.com/office/drawing/2010/main" xmlns="" w="9525">
+              <a14:hiddenLine xmlns="" xmlns:a14="http://schemas.microsoft.com/office/drawing/2010/main" w="9525">
                 <a:solidFill>
                   <a:srgbClr val="000000"/>
                 </a:solidFill>
@@ -28407,14 +28407,14 @@
           </a:ln>
           <a:extLst>
             <a:ext uri="{909E8E84-426E-40dd-AFC4-6F175D3DCCD1}">
-              <a14:hiddenFill xmlns:a14="http://schemas.microsoft.com/office/drawing/2010/main" xmlns="">
+              <a14:hiddenFill xmlns="" xmlns:a14="http://schemas.microsoft.com/office/drawing/2010/main">
                 <a:solidFill>
                   <a:srgbClr val="FFFFFF"/>
                 </a:solidFill>
               </a14:hiddenFill>
             </a:ext>
             <a:ext uri="{91240B29-F687-4f45-9708-019B960494DF}">
-              <a14:hiddenLine xmlns:a14="http://schemas.microsoft.com/office/drawing/2010/main" xmlns="" w="9525">
+              <a14:hiddenLine xmlns="" xmlns:a14="http://schemas.microsoft.com/office/drawing/2010/main" w="9525">
                 <a:solidFill>
                   <a:srgbClr val="000000"/>
                 </a:solidFill>
@@ -28424,7 +28424,7 @@
               </a14:hiddenLine>
             </a:ext>
             <a:ext uri="{FAA26D3D-D897-4be2-8F04-BA451C77F1D7}">
-              <ma14:placeholderFlag xmlns:ma14="http://schemas.microsoft.com/office/mac/drawingml/2011/main" xmlns="" val="1"/>
+              <ma14:placeholderFlag xmlns="" xmlns:ma14="http://schemas.microsoft.com/office/mac/drawingml/2011/main" val="1"/>
             </a:ext>
           </a:extLst>
         </p:spPr>
@@ -28780,14 +28780,14 @@
           </a:ln>
           <a:extLst>
             <a:ext uri="{909E8E84-426E-40dd-AFC4-6F175D3DCCD1}">
-              <a14:hiddenFill xmlns:a14="http://schemas.microsoft.com/office/drawing/2010/main" xmlns="">
+              <a14:hiddenFill xmlns="" xmlns:a14="http://schemas.microsoft.com/office/drawing/2010/main">
                 <a:solidFill>
                   <a:srgbClr val="FFFFFF"/>
                 </a:solidFill>
               </a14:hiddenFill>
             </a:ext>
             <a:ext uri="{91240B29-F687-4f45-9708-019B960494DF}">
-              <a14:hiddenLine xmlns:a14="http://schemas.microsoft.com/office/drawing/2010/main" xmlns="" w="9525">
+              <a14:hiddenLine xmlns="" xmlns:a14="http://schemas.microsoft.com/office/drawing/2010/main" w="9525">
                 <a:solidFill>
                   <a:srgbClr val="000000"/>
                 </a:solidFill>
@@ -28797,7 +28797,7 @@
               </a14:hiddenLine>
             </a:ext>
             <a:ext uri="{FAA26D3D-D897-4be2-8F04-BA451C77F1D7}">
-              <ma14:placeholderFlag xmlns:ma14="http://schemas.microsoft.com/office/mac/drawingml/2011/main" xmlns="" val="1"/>
+              <ma14:placeholderFlag xmlns="" xmlns:ma14="http://schemas.microsoft.com/office/mac/drawingml/2011/main" val="1"/>
             </a:ext>
           </a:extLst>
         </p:spPr>

--- a/14_designing_an_experiment (part2)/14-ControlStudyMemorisation-50minPart2.pptx
+++ b/14_designing_an_experiment (part2)/14-ControlStudyMemorisation-50minPart2.pptx
@@ -364,14 +364,14 @@
           </a:ln>
           <a:extLst>
             <a:ext uri="{909E8E84-426E-40dd-AFC4-6F175D3DCCD1}">
-              <a14:hiddenFill xmlns="" xmlns:a14="http://schemas.microsoft.com/office/drawing/2010/main">
+              <a14:hiddenFill xmlns:a14="http://schemas.microsoft.com/office/drawing/2010/main" xmlns="">
                 <a:solidFill>
                   <a:srgbClr val="FFFFFF"/>
                 </a:solidFill>
               </a14:hiddenFill>
             </a:ext>
             <a:ext uri="{FAA26D3D-D897-4be2-8F04-BA451C77F1D7}">
-              <ma14:placeholderFlag xmlns="" xmlns:ma14="http://schemas.microsoft.com/office/mac/drawingml/2011/main" val="1"/>
+              <ma14:placeholderFlag xmlns:ma14="http://schemas.microsoft.com/office/mac/drawingml/2011/main" xmlns="" val="1"/>
             </a:ext>
           </a:extLst>
         </p:spPr>
@@ -2622,14 +2622,14 @@
           <a:ln/>
           <a:extLst>
             <a:ext uri="{909E8E84-426E-40dd-AFC4-6F175D3DCCD1}">
-              <a14:hiddenFill xmlns="" xmlns:a14="http://schemas.microsoft.com/office/drawing/2010/main">
+              <a14:hiddenFill xmlns:a14="http://schemas.microsoft.com/office/drawing/2010/main" xmlns="">
                 <a:solidFill>
                   <a:srgbClr val="FFFFFF"/>
                 </a:solidFill>
               </a14:hiddenFill>
             </a:ext>
             <a:ext uri="{91240B29-F687-4f45-9708-019B960494DF}">
-              <a14:hiddenLine xmlns="" xmlns:a14="http://schemas.microsoft.com/office/drawing/2010/main" w="9525">
+              <a14:hiddenLine xmlns:a14="http://schemas.microsoft.com/office/drawing/2010/main" xmlns="" w="9525">
                 <a:solidFill>
                   <a:srgbClr val="000000"/>
                 </a:solidFill>
@@ -2639,7 +2639,7 @@
               </a14:hiddenLine>
             </a:ext>
             <a:ext uri="{FAA26D3D-D897-4be2-8F04-BA451C77F1D7}">
-              <ma14:placeholderFlag xmlns="" xmlns:ma14="http://schemas.microsoft.com/office/mac/drawingml/2011/main" val="1"/>
+              <ma14:placeholderFlag xmlns:ma14="http://schemas.microsoft.com/office/mac/drawingml/2011/main" xmlns="" val="1"/>
             </a:ext>
           </a:extLst>
         </p:spPr>
@@ -3388,14 +3388,14 @@
           </a:ln>
           <a:extLst>
             <a:ext uri="{909E8E84-426E-40dd-AFC4-6F175D3DCCD1}">
-              <a14:hiddenFill xmlns="" xmlns:a14="http://schemas.microsoft.com/office/drawing/2010/main">
+              <a14:hiddenFill xmlns:a14="http://schemas.microsoft.com/office/drawing/2010/main" xmlns="">
                 <a:solidFill>
                   <a:srgbClr val="FFFFFF"/>
                 </a:solidFill>
               </a14:hiddenFill>
             </a:ext>
             <a:ext uri="{91240B29-F687-4f45-9708-019B960494DF}">
-              <a14:hiddenLine xmlns="" xmlns:a14="http://schemas.microsoft.com/office/drawing/2010/main" w="9525">
+              <a14:hiddenLine xmlns:a14="http://schemas.microsoft.com/office/drawing/2010/main" xmlns="" w="9525">
                 <a:solidFill>
                   <a:srgbClr val="000000"/>
                 </a:solidFill>
@@ -3405,7 +3405,7 @@
               </a14:hiddenLine>
             </a:ext>
             <a:ext uri="{FAA26D3D-D897-4be2-8F04-BA451C77F1D7}">
-              <ma14:placeholderFlag xmlns="" xmlns:ma14="http://schemas.microsoft.com/office/mac/drawingml/2011/main" val="1"/>
+              <ma14:placeholderFlag xmlns:ma14="http://schemas.microsoft.com/office/mac/drawingml/2011/main" xmlns="" val="1"/>
             </a:ext>
           </a:extLst>
         </p:spPr>
@@ -3449,14 +3449,14 @@
           </a:ln>
           <a:extLst>
             <a:ext uri="{909E8E84-426E-40dd-AFC4-6F175D3DCCD1}">
-              <a14:hiddenFill xmlns="" xmlns:a14="http://schemas.microsoft.com/office/drawing/2010/main">
+              <a14:hiddenFill xmlns:a14="http://schemas.microsoft.com/office/drawing/2010/main" xmlns="">
                 <a:solidFill>
                   <a:srgbClr val="FFFFFF"/>
                 </a:solidFill>
               </a14:hiddenFill>
             </a:ext>
             <a:ext uri="{91240B29-F687-4f45-9708-019B960494DF}">
-              <a14:hiddenLine xmlns="" xmlns:a14="http://schemas.microsoft.com/office/drawing/2010/main" w="9525">
+              <a14:hiddenLine xmlns:a14="http://schemas.microsoft.com/office/drawing/2010/main" xmlns="" w="9525">
                 <a:solidFill>
                   <a:srgbClr val="000000"/>
                 </a:solidFill>
@@ -3466,7 +3466,7 @@
               </a14:hiddenLine>
             </a:ext>
             <a:ext uri="{FAA26D3D-D897-4be2-8F04-BA451C77F1D7}">
-              <ma14:placeholderFlag xmlns="" xmlns:ma14="http://schemas.microsoft.com/office/mac/drawingml/2011/main" val="1"/>
+              <ma14:placeholderFlag xmlns:ma14="http://schemas.microsoft.com/office/mac/drawingml/2011/main" xmlns="" val="1"/>
             </a:ext>
           </a:extLst>
         </p:spPr>
@@ -4021,14 +4021,14 @@
           </a:ln>
           <a:extLst>
             <a:ext uri="{909E8E84-426E-40dd-AFC4-6F175D3DCCD1}">
-              <a14:hiddenFill xmlns="" xmlns:a14="http://schemas.microsoft.com/office/drawing/2010/main">
+              <a14:hiddenFill xmlns:a14="http://schemas.microsoft.com/office/drawing/2010/main" xmlns="">
                 <a:solidFill>
                   <a:srgbClr val="FFFFFF"/>
                 </a:solidFill>
               </a14:hiddenFill>
             </a:ext>
             <a:ext uri="{91240B29-F687-4f45-9708-019B960494DF}">
-              <a14:hiddenLine xmlns="" xmlns:a14="http://schemas.microsoft.com/office/drawing/2010/main" w="9525">
+              <a14:hiddenLine xmlns:a14="http://schemas.microsoft.com/office/drawing/2010/main" xmlns="" w="9525">
                 <a:solidFill>
                   <a:srgbClr val="000000"/>
                 </a:solidFill>
@@ -4194,14 +4194,14 @@
           </a:ln>
           <a:extLst>
             <a:ext uri="{909E8E84-426E-40dd-AFC4-6F175D3DCCD1}">
-              <a14:hiddenFill xmlns="" xmlns:a14="http://schemas.microsoft.com/office/drawing/2010/main">
+              <a14:hiddenFill xmlns:a14="http://schemas.microsoft.com/office/drawing/2010/main" xmlns="">
                 <a:solidFill>
                   <a:srgbClr val="FFFFFF"/>
                 </a:solidFill>
               </a14:hiddenFill>
             </a:ext>
             <a:ext uri="{91240B29-F687-4f45-9708-019B960494DF}">
-              <a14:hiddenLine xmlns="" xmlns:a14="http://schemas.microsoft.com/office/drawing/2010/main" w="12700">
+              <a14:hiddenLine xmlns:a14="http://schemas.microsoft.com/office/drawing/2010/main" xmlns="" w="12700">
                 <a:solidFill>
                   <a:schemeClr val="tx1"/>
                 </a:solidFill>
@@ -4341,7 +4341,7 @@
           </a:ln>
           <a:extLst>
             <a:ext uri="{909E8E84-426E-40dd-AFC4-6F175D3DCCD1}">
-              <a14:hiddenFill xmlns="" xmlns:a14="http://schemas.microsoft.com/office/drawing/2010/main">
+              <a14:hiddenFill xmlns:a14="http://schemas.microsoft.com/office/drawing/2010/main" xmlns="">
                 <a:solidFill>
                   <a:srgbClr val="FFFFFF"/>
                 </a:solidFill>
@@ -5186,14 +5186,14 @@
           </a:ln>
           <a:extLst>
             <a:ext uri="{909E8E84-426E-40dd-AFC4-6F175D3DCCD1}">
-              <a14:hiddenFill xmlns="" xmlns:a14="http://schemas.microsoft.com/office/drawing/2010/main">
+              <a14:hiddenFill xmlns:a14="http://schemas.microsoft.com/office/drawing/2010/main" xmlns="">
                 <a:solidFill>
                   <a:srgbClr val="FFFFFF"/>
                 </a:solidFill>
               </a14:hiddenFill>
             </a:ext>
             <a:ext uri="{91240B29-F687-4f45-9708-019B960494DF}">
-              <a14:hiddenLine xmlns="" xmlns:a14="http://schemas.microsoft.com/office/drawing/2010/main" w="9525">
+              <a14:hiddenLine xmlns:a14="http://schemas.microsoft.com/office/drawing/2010/main" xmlns="" w="9525">
                 <a:solidFill>
                   <a:srgbClr val="000000"/>
                 </a:solidFill>
@@ -5203,7 +5203,7 @@
               </a14:hiddenLine>
             </a:ext>
             <a:ext uri="{FAA26D3D-D897-4be2-8F04-BA451C77F1D7}">
-              <ma14:placeholderFlag xmlns="" xmlns:ma14="http://schemas.microsoft.com/office/mac/drawingml/2011/main" val="1"/>
+              <ma14:placeholderFlag xmlns:ma14="http://schemas.microsoft.com/office/mac/drawingml/2011/main" xmlns="" val="1"/>
             </a:ext>
           </a:extLst>
         </p:spPr>
@@ -6410,14 +6410,14 @@
           </a:ln>
           <a:extLst>
             <a:ext uri="{909E8E84-426E-40dd-AFC4-6F175D3DCCD1}">
-              <a14:hiddenFill xmlns="" xmlns:a14="http://schemas.microsoft.com/office/drawing/2010/main">
+              <a14:hiddenFill xmlns:a14="http://schemas.microsoft.com/office/drawing/2010/main" xmlns="">
                 <a:solidFill>
                   <a:srgbClr val="FFFFFF"/>
                 </a:solidFill>
               </a14:hiddenFill>
             </a:ext>
             <a:ext uri="{91240B29-F687-4f45-9708-019B960494DF}">
-              <a14:hiddenLine xmlns="" xmlns:a14="http://schemas.microsoft.com/office/drawing/2010/main" w="9525">
+              <a14:hiddenLine xmlns:a14="http://schemas.microsoft.com/office/drawing/2010/main" xmlns="" w="9525">
                 <a:solidFill>
                   <a:srgbClr val="000000"/>
                 </a:solidFill>
@@ -6605,7 +6605,7 @@
           </a:ln>
           <a:extLst>
             <a:ext uri="{909E8E84-426E-40dd-AFC4-6F175D3DCCD1}">
-              <a14:hiddenFill xmlns="" xmlns:a14="http://schemas.microsoft.com/office/drawing/2010/main">
+              <a14:hiddenFill xmlns:a14="http://schemas.microsoft.com/office/drawing/2010/main" xmlns="">
                 <a:noFill/>
               </a14:hiddenFill>
             </a:ext>
@@ -6640,14 +6640,14 @@
           </a:ln>
           <a:extLst>
             <a:ext uri="{909E8E84-426E-40dd-AFC4-6F175D3DCCD1}">
-              <a14:hiddenFill xmlns="" xmlns:a14="http://schemas.microsoft.com/office/drawing/2010/main">
+              <a14:hiddenFill xmlns:a14="http://schemas.microsoft.com/office/drawing/2010/main" xmlns="">
                 <a:solidFill>
                   <a:srgbClr val="FFFFFF"/>
                 </a:solidFill>
               </a14:hiddenFill>
             </a:ext>
             <a:ext uri="{91240B29-F687-4f45-9708-019B960494DF}">
-              <a14:hiddenLine xmlns="" xmlns:a14="http://schemas.microsoft.com/office/drawing/2010/main" w="9525">
+              <a14:hiddenLine xmlns:a14="http://schemas.microsoft.com/office/drawing/2010/main" xmlns="" w="9525">
                 <a:solidFill>
                   <a:srgbClr val="000000"/>
                 </a:solidFill>
@@ -6843,7 +6843,7 @@
           </a:ln>
           <a:extLst>
             <a:ext uri="{909E8E84-426E-40dd-AFC4-6F175D3DCCD1}">
-              <a14:hiddenFill xmlns="" xmlns:a14="http://schemas.microsoft.com/office/drawing/2010/main">
+              <a14:hiddenFill xmlns:a14="http://schemas.microsoft.com/office/drawing/2010/main" xmlns="">
                 <a:noFill/>
               </a14:hiddenFill>
             </a:ext>
@@ -6883,7 +6883,7 @@
           </a:ln>
           <a:extLst>
             <a:ext uri="{909E8E84-426E-40dd-AFC4-6F175D3DCCD1}">
-              <a14:hiddenFill xmlns="" xmlns:a14="http://schemas.microsoft.com/office/drawing/2010/main">
+              <a14:hiddenFill xmlns:a14="http://schemas.microsoft.com/office/drawing/2010/main" xmlns="">
                 <a:noFill/>
               </a14:hiddenFill>
             </a:ext>
@@ -6942,14 +6942,14 @@
           </a:ln>
           <a:extLst>
             <a:ext uri="{909E8E84-426E-40dd-AFC4-6F175D3DCCD1}">
-              <a14:hiddenFill xmlns="" xmlns:a14="http://schemas.microsoft.com/office/drawing/2010/main">
+              <a14:hiddenFill xmlns:a14="http://schemas.microsoft.com/office/drawing/2010/main" xmlns="">
                 <a:solidFill>
                   <a:srgbClr val="FFFFFF"/>
                 </a:solidFill>
               </a14:hiddenFill>
             </a:ext>
             <a:ext uri="{91240B29-F687-4f45-9708-019B960494DF}">
-              <a14:hiddenLine xmlns="" xmlns:a14="http://schemas.microsoft.com/office/drawing/2010/main" w="9525">
+              <a14:hiddenLine xmlns:a14="http://schemas.microsoft.com/office/drawing/2010/main" xmlns="" w="9525">
                 <a:solidFill>
                   <a:srgbClr val="000000"/>
                 </a:solidFill>
@@ -6959,7 +6959,7 @@
               </a14:hiddenLine>
             </a:ext>
             <a:ext uri="{FAA26D3D-D897-4be2-8F04-BA451C77F1D7}">
-              <ma14:placeholderFlag xmlns="" xmlns:ma14="http://schemas.microsoft.com/office/mac/drawingml/2011/main" val="1"/>
+              <ma14:placeholderFlag xmlns:ma14="http://schemas.microsoft.com/office/mac/drawingml/2011/main" xmlns="" val="1"/>
             </a:ext>
           </a:extLst>
         </p:spPr>
@@ -7338,14 +7338,14 @@
           </a:ln>
           <a:extLst>
             <a:ext uri="{909E8E84-426E-40dd-AFC4-6F175D3DCCD1}">
-              <a14:hiddenFill xmlns="" xmlns:a14="http://schemas.microsoft.com/office/drawing/2010/main">
+              <a14:hiddenFill xmlns:a14="http://schemas.microsoft.com/office/drawing/2010/main" xmlns="">
                 <a:solidFill>
                   <a:srgbClr val="FFFFFF"/>
                 </a:solidFill>
               </a14:hiddenFill>
             </a:ext>
             <a:ext uri="{91240B29-F687-4f45-9708-019B960494DF}">
-              <a14:hiddenLine xmlns="" xmlns:a14="http://schemas.microsoft.com/office/drawing/2010/main" w="9525">
+              <a14:hiddenLine xmlns:a14="http://schemas.microsoft.com/office/drawing/2010/main" xmlns="" w="9525">
                 <a:solidFill>
                   <a:srgbClr val="000000"/>
                 </a:solidFill>
@@ -7355,7 +7355,7 @@
               </a14:hiddenLine>
             </a:ext>
             <a:ext uri="{FAA26D3D-D897-4be2-8F04-BA451C77F1D7}">
-              <ma14:placeholderFlag xmlns="" xmlns:ma14="http://schemas.microsoft.com/office/mac/drawingml/2011/main" val="1"/>
+              <ma14:placeholderFlag xmlns:ma14="http://schemas.microsoft.com/office/mac/drawingml/2011/main" xmlns="" val="1"/>
             </a:ext>
           </a:extLst>
         </p:spPr>
@@ -8393,14 +8393,14 @@
           </a:ln>
           <a:extLst>
             <a:ext uri="{909E8E84-426E-40dd-AFC4-6F175D3DCCD1}">
-              <a14:hiddenFill xmlns="" xmlns:a14="http://schemas.microsoft.com/office/drawing/2010/main">
+              <a14:hiddenFill xmlns:a14="http://schemas.microsoft.com/office/drawing/2010/main" xmlns="">
                 <a:solidFill>
                   <a:srgbClr val="FFFFFF"/>
                 </a:solidFill>
               </a14:hiddenFill>
             </a:ext>
             <a:ext uri="{91240B29-F687-4f45-9708-019B960494DF}">
-              <a14:hiddenLine xmlns="" xmlns:a14="http://schemas.microsoft.com/office/drawing/2010/main" w="9525">
+              <a14:hiddenLine xmlns:a14="http://schemas.microsoft.com/office/drawing/2010/main" xmlns="" w="9525">
                 <a:solidFill>
                   <a:srgbClr val="000000"/>
                 </a:solidFill>
@@ -8410,7 +8410,7 @@
               </a14:hiddenLine>
             </a:ext>
             <a:ext uri="{FAA26D3D-D897-4be2-8F04-BA451C77F1D7}">
-              <ma14:placeholderFlag xmlns="" xmlns:ma14="http://schemas.microsoft.com/office/mac/drawingml/2011/main" val="1"/>
+              <ma14:placeholderFlag xmlns:ma14="http://schemas.microsoft.com/office/mac/drawingml/2011/main" xmlns="" val="1"/>
             </a:ext>
           </a:extLst>
         </p:spPr>
@@ -8781,7 +8781,7 @@
           </a:ln>
           <a:extLst>
             <a:ext uri="{91240B29-F687-4f45-9708-019B960494DF}">
-              <a14:hiddenLine xmlns:a14="http://schemas.microsoft.com/office/drawing/2010/main" xmlns="" w="9525">
+              <a14:hiddenLine xmlns="" xmlns:a14="http://schemas.microsoft.com/office/drawing/2010/main" w="9525">
                 <a:solidFill>
                   <a:srgbClr val="000000"/>
                 </a:solidFill>
@@ -8995,7 +8995,7 @@
             </a:ln>
             <a:extLst>
               <a:ext uri="{91240B29-F687-4f45-9708-019B960494DF}">
-                <a14:hiddenLine xmlns="" xmlns:a14="http://schemas.microsoft.com/office/drawing/2010/main" w="9525">
+                <a14:hiddenLine xmlns:a14="http://schemas.microsoft.com/office/drawing/2010/main" xmlns="" w="9525">
                   <a:solidFill>
                     <a:srgbClr val="000000"/>
                   </a:solidFill>
@@ -9040,14 +9040,14 @@
             </a:ln>
             <a:extLst>
               <a:ext uri="{909E8E84-426E-40dd-AFC4-6F175D3DCCD1}">
-                <a14:hiddenFill xmlns="" xmlns:a14="http://schemas.microsoft.com/office/drawing/2010/main">
+                <a14:hiddenFill xmlns:a14="http://schemas.microsoft.com/office/drawing/2010/main" xmlns="">
                   <a:solidFill>
                     <a:srgbClr val="FFFFFF"/>
                   </a:solidFill>
                 </a14:hiddenFill>
               </a:ext>
               <a:ext uri="{91240B29-F687-4f45-9708-019B960494DF}">
-                <a14:hiddenLine xmlns="" xmlns:a14="http://schemas.microsoft.com/office/drawing/2010/main" w="9525">
+                <a14:hiddenLine xmlns:a14="http://schemas.microsoft.com/office/drawing/2010/main" xmlns="" w="9525">
                   <a:solidFill>
                     <a:srgbClr val="000000"/>
                   </a:solidFill>
@@ -9147,7 +9147,7 @@
             </a:ln>
             <a:extLst>
               <a:ext uri="{91240B29-F687-4f45-9708-019B960494DF}">
-                <a14:hiddenLine xmlns="" xmlns:a14="http://schemas.microsoft.com/office/drawing/2010/main" w="9525">
+                <a14:hiddenLine xmlns:a14="http://schemas.microsoft.com/office/drawing/2010/main" xmlns="" w="9525">
                   <a:solidFill>
                     <a:srgbClr val="000000"/>
                   </a:solidFill>
@@ -9192,14 +9192,14 @@
             </a:ln>
             <a:extLst>
               <a:ext uri="{909E8E84-426E-40dd-AFC4-6F175D3DCCD1}">
-                <a14:hiddenFill xmlns="" xmlns:a14="http://schemas.microsoft.com/office/drawing/2010/main">
+                <a14:hiddenFill xmlns:a14="http://schemas.microsoft.com/office/drawing/2010/main" xmlns="">
                   <a:solidFill>
                     <a:srgbClr val="FFFFFF"/>
                   </a:solidFill>
                 </a14:hiddenFill>
               </a:ext>
               <a:ext uri="{91240B29-F687-4f45-9708-019B960494DF}">
-                <a14:hiddenLine xmlns="" xmlns:a14="http://schemas.microsoft.com/office/drawing/2010/main" w="9525">
+                <a14:hiddenLine xmlns:a14="http://schemas.microsoft.com/office/drawing/2010/main" xmlns="" w="9525">
                   <a:solidFill>
                     <a:srgbClr val="000000"/>
                   </a:solidFill>
@@ -9315,7 +9315,7 @@
             </a:ln>
             <a:extLst>
               <a:ext uri="{91240B29-F687-4f45-9708-019B960494DF}">
-                <a14:hiddenLine xmlns="" xmlns:a14="http://schemas.microsoft.com/office/drawing/2010/main" w="9525">
+                <a14:hiddenLine xmlns:a14="http://schemas.microsoft.com/office/drawing/2010/main" xmlns="" w="9525">
                   <a:solidFill>
                     <a:srgbClr val="000000"/>
                   </a:solidFill>
@@ -9360,14 +9360,14 @@
             </a:ln>
             <a:extLst>
               <a:ext uri="{909E8E84-426E-40dd-AFC4-6F175D3DCCD1}">
-                <a14:hiddenFill xmlns="" xmlns:a14="http://schemas.microsoft.com/office/drawing/2010/main">
+                <a14:hiddenFill xmlns:a14="http://schemas.microsoft.com/office/drawing/2010/main" xmlns="">
                   <a:solidFill>
                     <a:srgbClr val="FFFFFF"/>
                   </a:solidFill>
                 </a14:hiddenFill>
               </a:ext>
               <a:ext uri="{91240B29-F687-4f45-9708-019B960494DF}">
-                <a14:hiddenLine xmlns="" xmlns:a14="http://schemas.microsoft.com/office/drawing/2010/main" w="9525">
+                <a14:hiddenLine xmlns:a14="http://schemas.microsoft.com/office/drawing/2010/main" xmlns="" w="9525">
                   <a:solidFill>
                     <a:srgbClr val="000000"/>
                   </a:solidFill>
@@ -9480,7 +9480,7 @@
             </a:ln>
             <a:extLst>
               <a:ext uri="{91240B29-F687-4f45-9708-019B960494DF}">
-                <a14:hiddenLine xmlns="" xmlns:a14="http://schemas.microsoft.com/office/drawing/2010/main" w="9525">
+                <a14:hiddenLine xmlns:a14="http://schemas.microsoft.com/office/drawing/2010/main" xmlns="" w="9525">
                   <a:solidFill>
                     <a:srgbClr val="000000"/>
                   </a:solidFill>
@@ -9525,14 +9525,14 @@
             </a:ln>
             <a:extLst>
               <a:ext uri="{909E8E84-426E-40dd-AFC4-6F175D3DCCD1}">
-                <a14:hiddenFill xmlns="" xmlns:a14="http://schemas.microsoft.com/office/drawing/2010/main">
+                <a14:hiddenFill xmlns:a14="http://schemas.microsoft.com/office/drawing/2010/main" xmlns="">
                   <a:solidFill>
                     <a:srgbClr val="FFFFFF"/>
                   </a:solidFill>
                 </a14:hiddenFill>
               </a:ext>
               <a:ext uri="{91240B29-F687-4f45-9708-019B960494DF}">
-                <a14:hiddenLine xmlns="" xmlns:a14="http://schemas.microsoft.com/office/drawing/2010/main" w="9525">
+                <a14:hiddenLine xmlns:a14="http://schemas.microsoft.com/office/drawing/2010/main" xmlns="" w="9525">
                   <a:solidFill>
                     <a:srgbClr val="000000"/>
                   </a:solidFill>
@@ -9632,7 +9632,7 @@
           </a:ln>
           <a:extLst>
             <a:ext uri="{909E8E84-426E-40dd-AFC4-6F175D3DCCD1}">
-              <a14:hiddenFill xmlns="" xmlns:a14="http://schemas.microsoft.com/office/drawing/2010/main">
+              <a14:hiddenFill xmlns:a14="http://schemas.microsoft.com/office/drawing/2010/main" xmlns="">
                 <a:noFill/>
               </a14:hiddenFill>
             </a:ext>
@@ -9679,7 +9679,7 @@
             </a:ln>
             <a:extLst>
               <a:ext uri="{91240B29-F687-4f45-9708-019B960494DF}">
-                <a14:hiddenLine xmlns="" xmlns:a14="http://schemas.microsoft.com/office/drawing/2010/main" w="9525">
+                <a14:hiddenLine xmlns:a14="http://schemas.microsoft.com/office/drawing/2010/main" xmlns="" w="9525">
                   <a:solidFill>
                     <a:srgbClr val="000000"/>
                   </a:solidFill>
@@ -9724,14 +9724,14 @@
             </a:ln>
             <a:extLst>
               <a:ext uri="{909E8E84-426E-40dd-AFC4-6F175D3DCCD1}">
-                <a14:hiddenFill xmlns="" xmlns:a14="http://schemas.microsoft.com/office/drawing/2010/main">
+                <a14:hiddenFill xmlns:a14="http://schemas.microsoft.com/office/drawing/2010/main" xmlns="">
                   <a:solidFill>
                     <a:srgbClr val="FFFFFF"/>
                   </a:solidFill>
                 </a14:hiddenFill>
               </a:ext>
               <a:ext uri="{91240B29-F687-4f45-9708-019B960494DF}">
-                <a14:hiddenLine xmlns="" xmlns:a14="http://schemas.microsoft.com/office/drawing/2010/main" w="9525">
+                <a14:hiddenLine xmlns:a14="http://schemas.microsoft.com/office/drawing/2010/main" xmlns="" w="9525">
                   <a:solidFill>
                     <a:srgbClr val="000000"/>
                   </a:solidFill>
@@ -9831,7 +9831,7 @@
             </a:ln>
             <a:extLst>
               <a:ext uri="{91240B29-F687-4f45-9708-019B960494DF}">
-                <a14:hiddenLine xmlns="" xmlns:a14="http://schemas.microsoft.com/office/drawing/2010/main" w="9525">
+                <a14:hiddenLine xmlns:a14="http://schemas.microsoft.com/office/drawing/2010/main" xmlns="" w="9525">
                   <a:solidFill>
                     <a:srgbClr val="000000"/>
                   </a:solidFill>
@@ -9876,14 +9876,14 @@
             </a:ln>
             <a:extLst>
               <a:ext uri="{909E8E84-426E-40dd-AFC4-6F175D3DCCD1}">
-                <a14:hiddenFill xmlns="" xmlns:a14="http://schemas.microsoft.com/office/drawing/2010/main">
+                <a14:hiddenFill xmlns:a14="http://schemas.microsoft.com/office/drawing/2010/main" xmlns="">
                   <a:solidFill>
                     <a:srgbClr val="FFFFFF"/>
                   </a:solidFill>
                 </a14:hiddenFill>
               </a:ext>
               <a:ext uri="{91240B29-F687-4f45-9708-019B960494DF}">
-                <a14:hiddenLine xmlns="" xmlns:a14="http://schemas.microsoft.com/office/drawing/2010/main" w="9525">
+                <a14:hiddenLine xmlns:a14="http://schemas.microsoft.com/office/drawing/2010/main" xmlns="" w="9525">
                   <a:solidFill>
                     <a:srgbClr val="000000"/>
                   </a:solidFill>
@@ -9983,7 +9983,7 @@
             </a:ln>
             <a:extLst>
               <a:ext uri="{91240B29-F687-4f45-9708-019B960494DF}">
-                <a14:hiddenLine xmlns="" xmlns:a14="http://schemas.microsoft.com/office/drawing/2010/main" w="9525">
+                <a14:hiddenLine xmlns:a14="http://schemas.microsoft.com/office/drawing/2010/main" xmlns="" w="9525">
                   <a:solidFill>
                     <a:srgbClr val="000000"/>
                   </a:solidFill>
@@ -10028,14 +10028,14 @@
             </a:ln>
             <a:extLst>
               <a:ext uri="{909E8E84-426E-40dd-AFC4-6F175D3DCCD1}">
-                <a14:hiddenFill xmlns="" xmlns:a14="http://schemas.microsoft.com/office/drawing/2010/main">
+                <a14:hiddenFill xmlns:a14="http://schemas.microsoft.com/office/drawing/2010/main" xmlns="">
                   <a:solidFill>
                     <a:srgbClr val="FFFFFF"/>
                   </a:solidFill>
                 </a14:hiddenFill>
               </a:ext>
               <a:ext uri="{91240B29-F687-4f45-9708-019B960494DF}">
-                <a14:hiddenLine xmlns="" xmlns:a14="http://schemas.microsoft.com/office/drawing/2010/main" w="9525">
+                <a14:hiddenLine xmlns:a14="http://schemas.microsoft.com/office/drawing/2010/main" xmlns="" w="9525">
                   <a:solidFill>
                     <a:srgbClr val="000000"/>
                   </a:solidFill>
@@ -10135,7 +10135,7 @@
             </a:ln>
             <a:extLst>
               <a:ext uri="{91240B29-F687-4f45-9708-019B960494DF}">
-                <a14:hiddenLine xmlns="" xmlns:a14="http://schemas.microsoft.com/office/drawing/2010/main" w="9525">
+                <a14:hiddenLine xmlns:a14="http://schemas.microsoft.com/office/drawing/2010/main" xmlns="" w="9525">
                   <a:solidFill>
                     <a:srgbClr val="000000"/>
                   </a:solidFill>
@@ -10180,14 +10180,14 @@
             </a:ln>
             <a:extLst>
               <a:ext uri="{909E8E84-426E-40dd-AFC4-6F175D3DCCD1}">
-                <a14:hiddenFill xmlns="" xmlns:a14="http://schemas.microsoft.com/office/drawing/2010/main">
+                <a14:hiddenFill xmlns:a14="http://schemas.microsoft.com/office/drawing/2010/main" xmlns="">
                   <a:solidFill>
                     <a:srgbClr val="FFFFFF"/>
                   </a:solidFill>
                 </a14:hiddenFill>
               </a:ext>
               <a:ext uri="{91240B29-F687-4f45-9708-019B960494DF}">
-                <a14:hiddenLine xmlns="" xmlns:a14="http://schemas.microsoft.com/office/drawing/2010/main" w="9525">
+                <a14:hiddenLine xmlns:a14="http://schemas.microsoft.com/office/drawing/2010/main" xmlns="" w="9525">
                   <a:solidFill>
                     <a:srgbClr val="000000"/>
                   </a:solidFill>
@@ -10308,7 +10308,7 @@
             </a:ln>
             <a:extLst>
               <a:ext uri="{91240B29-F687-4f45-9708-019B960494DF}">
-                <a14:hiddenLine xmlns="" xmlns:a14="http://schemas.microsoft.com/office/drawing/2010/main" w="9525">
+                <a14:hiddenLine xmlns:a14="http://schemas.microsoft.com/office/drawing/2010/main" xmlns="" w="9525">
                   <a:solidFill>
                     <a:srgbClr val="000000"/>
                   </a:solidFill>
@@ -10353,14 +10353,14 @@
             </a:ln>
             <a:extLst>
               <a:ext uri="{909E8E84-426E-40dd-AFC4-6F175D3DCCD1}">
-                <a14:hiddenFill xmlns="" xmlns:a14="http://schemas.microsoft.com/office/drawing/2010/main">
+                <a14:hiddenFill xmlns:a14="http://schemas.microsoft.com/office/drawing/2010/main" xmlns="">
                   <a:solidFill>
                     <a:srgbClr val="FFFFFF"/>
                   </a:solidFill>
                 </a14:hiddenFill>
               </a:ext>
               <a:ext uri="{91240B29-F687-4f45-9708-019B960494DF}">
-                <a14:hiddenLine xmlns="" xmlns:a14="http://schemas.microsoft.com/office/drawing/2010/main" w="9525">
+                <a14:hiddenLine xmlns:a14="http://schemas.microsoft.com/office/drawing/2010/main" xmlns="" w="9525">
                   <a:solidFill>
                     <a:srgbClr val="000000"/>
                   </a:solidFill>
@@ -10460,7 +10460,7 @@
           </a:ln>
           <a:extLst>
             <a:ext uri="{909E8E84-426E-40dd-AFC4-6F175D3DCCD1}">
-              <a14:hiddenFill xmlns="" xmlns:a14="http://schemas.microsoft.com/office/drawing/2010/main">
+              <a14:hiddenFill xmlns:a14="http://schemas.microsoft.com/office/drawing/2010/main" xmlns="">
                 <a:noFill/>
               </a14:hiddenFill>
             </a:ext>
@@ -10507,7 +10507,7 @@
             </a:ln>
             <a:extLst>
               <a:ext uri="{91240B29-F687-4f45-9708-019B960494DF}">
-                <a14:hiddenLine xmlns="" xmlns:a14="http://schemas.microsoft.com/office/drawing/2010/main" w="9525">
+                <a14:hiddenLine xmlns:a14="http://schemas.microsoft.com/office/drawing/2010/main" xmlns="" w="9525">
                   <a:solidFill>
                     <a:srgbClr val="000000"/>
                   </a:solidFill>
@@ -10552,14 +10552,14 @@
             </a:ln>
             <a:extLst>
               <a:ext uri="{909E8E84-426E-40dd-AFC4-6F175D3DCCD1}">
-                <a14:hiddenFill xmlns="" xmlns:a14="http://schemas.microsoft.com/office/drawing/2010/main">
+                <a14:hiddenFill xmlns:a14="http://schemas.microsoft.com/office/drawing/2010/main" xmlns="">
                   <a:solidFill>
                     <a:srgbClr val="FFFFFF"/>
                   </a:solidFill>
                 </a14:hiddenFill>
               </a:ext>
               <a:ext uri="{91240B29-F687-4f45-9708-019B960494DF}">
-                <a14:hiddenLine xmlns="" xmlns:a14="http://schemas.microsoft.com/office/drawing/2010/main" w="9525">
+                <a14:hiddenLine xmlns:a14="http://schemas.microsoft.com/office/drawing/2010/main" xmlns="" w="9525">
                   <a:solidFill>
                     <a:srgbClr val="000000"/>
                   </a:solidFill>
@@ -10981,7 +10981,7 @@
           </a:ln>
           <a:extLst>
             <a:ext uri="{909E8E84-426E-40dd-AFC4-6F175D3DCCD1}">
-              <a14:hiddenFill xmlns="" xmlns:a14="http://schemas.microsoft.com/office/drawing/2010/main">
+              <a14:hiddenFill xmlns:a14="http://schemas.microsoft.com/office/drawing/2010/main" xmlns="">
                 <a:solidFill>
                   <a:srgbClr val="FFFFFF"/>
                 </a:solidFill>
@@ -11089,7 +11089,7 @@
           </a:ln>
           <a:extLst>
             <a:ext uri="{91240B29-F687-4f45-9708-019B960494DF}">
-              <a14:hiddenLine xmlns:a14="http://schemas.microsoft.com/office/drawing/2010/main" xmlns="" w="9525">
+              <a14:hiddenLine xmlns="" xmlns:a14="http://schemas.microsoft.com/office/drawing/2010/main" w="9525">
                 <a:solidFill>
                   <a:srgbClr val="000000"/>
                 </a:solidFill>
@@ -11668,7 +11668,7 @@
             </a:ln>
             <a:extLst>
               <a:ext uri="{91240B29-F687-4f45-9708-019B960494DF}">
-                <a14:hiddenLine xmlns="" xmlns:a14="http://schemas.microsoft.com/office/drawing/2010/main" w="9525">
+                <a14:hiddenLine xmlns:a14="http://schemas.microsoft.com/office/drawing/2010/main" xmlns="" w="9525">
                   <a:solidFill>
                     <a:srgbClr val="000000"/>
                   </a:solidFill>
@@ -11719,14 +11719,14 @@
             </a:ln>
             <a:extLst>
               <a:ext uri="{909E8E84-426E-40dd-AFC4-6F175D3DCCD1}">
-                <a14:hiddenFill xmlns="" xmlns:a14="http://schemas.microsoft.com/office/drawing/2010/main">
+                <a14:hiddenFill xmlns:a14="http://schemas.microsoft.com/office/drawing/2010/main" xmlns="">
                   <a:solidFill>
                     <a:srgbClr val="FFFFFF"/>
                   </a:solidFill>
                 </a14:hiddenFill>
               </a:ext>
               <a:ext uri="{91240B29-F687-4f45-9708-019B960494DF}">
-                <a14:hiddenLine xmlns="" xmlns:a14="http://schemas.microsoft.com/office/drawing/2010/main" w="9525">
+                <a14:hiddenLine xmlns:a14="http://schemas.microsoft.com/office/drawing/2010/main" xmlns="" w="9525">
                   <a:solidFill>
                     <a:srgbClr val="000000"/>
                   </a:solidFill>
@@ -11874,7 +11874,7 @@
             </a:ln>
             <a:extLst>
               <a:ext uri="{91240B29-F687-4f45-9708-019B960494DF}">
-                <a14:hiddenLine xmlns="" xmlns:a14="http://schemas.microsoft.com/office/drawing/2010/main" w="9525">
+                <a14:hiddenLine xmlns:a14="http://schemas.microsoft.com/office/drawing/2010/main" xmlns="" w="9525">
                   <a:solidFill>
                     <a:srgbClr val="000000"/>
                   </a:solidFill>
@@ -11925,14 +11925,14 @@
             </a:ln>
             <a:extLst>
               <a:ext uri="{909E8E84-426E-40dd-AFC4-6F175D3DCCD1}">
-                <a14:hiddenFill xmlns="" xmlns:a14="http://schemas.microsoft.com/office/drawing/2010/main">
+                <a14:hiddenFill xmlns:a14="http://schemas.microsoft.com/office/drawing/2010/main" xmlns="">
                   <a:solidFill>
                     <a:srgbClr val="FFFFFF"/>
                   </a:solidFill>
                 </a14:hiddenFill>
               </a:ext>
               <a:ext uri="{91240B29-F687-4f45-9708-019B960494DF}">
-                <a14:hiddenLine xmlns="" xmlns:a14="http://schemas.microsoft.com/office/drawing/2010/main" w="9525">
+                <a14:hiddenLine xmlns:a14="http://schemas.microsoft.com/office/drawing/2010/main" xmlns="" w="9525">
                   <a:solidFill>
                     <a:srgbClr val="000000"/>
                   </a:solidFill>
@@ -12419,7 +12419,7 @@
             </a:ln>
             <a:extLst>
               <a:ext uri="{91240B29-F687-4f45-9708-019B960494DF}">
-                <a14:hiddenLine xmlns="" xmlns:a14="http://schemas.microsoft.com/office/drawing/2010/main" w="9525">
+                <a14:hiddenLine xmlns:a14="http://schemas.microsoft.com/office/drawing/2010/main" xmlns="" w="9525">
                   <a:solidFill>
                     <a:srgbClr val="000000"/>
                   </a:solidFill>
@@ -12470,14 +12470,14 @@
             </a:ln>
             <a:extLst>
               <a:ext uri="{909E8E84-426E-40dd-AFC4-6F175D3DCCD1}">
-                <a14:hiddenFill xmlns="" xmlns:a14="http://schemas.microsoft.com/office/drawing/2010/main">
+                <a14:hiddenFill xmlns:a14="http://schemas.microsoft.com/office/drawing/2010/main" xmlns="">
                   <a:solidFill>
                     <a:srgbClr val="FFFFFF"/>
                   </a:solidFill>
                 </a14:hiddenFill>
               </a:ext>
               <a:ext uri="{91240B29-F687-4f45-9708-019B960494DF}">
-                <a14:hiddenLine xmlns="" xmlns:a14="http://schemas.microsoft.com/office/drawing/2010/main" w="9525">
+                <a14:hiddenLine xmlns:a14="http://schemas.microsoft.com/office/drawing/2010/main" xmlns="" w="9525">
                   <a:solidFill>
                     <a:srgbClr val="000000"/>
                   </a:solidFill>
@@ -12813,7 +12813,7 @@
             </a:ln>
             <a:extLst>
               <a:ext uri="{91240B29-F687-4f45-9708-019B960494DF}">
-                <a14:hiddenLine xmlns="" xmlns:a14="http://schemas.microsoft.com/office/drawing/2010/main" w="9525">
+                <a14:hiddenLine xmlns:a14="http://schemas.microsoft.com/office/drawing/2010/main" xmlns="" w="9525">
                   <a:solidFill>
                     <a:srgbClr val="000000"/>
                   </a:solidFill>
@@ -12864,14 +12864,14 @@
             </a:ln>
             <a:extLst>
               <a:ext uri="{909E8E84-426E-40dd-AFC4-6F175D3DCCD1}">
-                <a14:hiddenFill xmlns="" xmlns:a14="http://schemas.microsoft.com/office/drawing/2010/main">
+                <a14:hiddenFill xmlns:a14="http://schemas.microsoft.com/office/drawing/2010/main" xmlns="">
                   <a:solidFill>
                     <a:srgbClr val="FFFFFF"/>
                   </a:solidFill>
                 </a14:hiddenFill>
               </a:ext>
               <a:ext uri="{91240B29-F687-4f45-9708-019B960494DF}">
-                <a14:hiddenLine xmlns="" xmlns:a14="http://schemas.microsoft.com/office/drawing/2010/main" w="9525">
+                <a14:hiddenLine xmlns:a14="http://schemas.microsoft.com/office/drawing/2010/main" xmlns="" w="9525">
                   <a:solidFill>
                     <a:srgbClr val="000000"/>
                   </a:solidFill>
@@ -13403,7 +13403,7 @@
             </a:ln>
             <a:extLst>
               <a:ext uri="{91240B29-F687-4f45-9708-019B960494DF}">
-                <a14:hiddenLine xmlns="" xmlns:a14="http://schemas.microsoft.com/office/drawing/2010/main" w="9525">
+                <a14:hiddenLine xmlns:a14="http://schemas.microsoft.com/office/drawing/2010/main" xmlns="" w="9525">
                   <a:solidFill>
                     <a:srgbClr val="000000"/>
                   </a:solidFill>
@@ -13454,14 +13454,14 @@
             </a:ln>
             <a:extLst>
               <a:ext uri="{909E8E84-426E-40dd-AFC4-6F175D3DCCD1}">
-                <a14:hiddenFill xmlns="" xmlns:a14="http://schemas.microsoft.com/office/drawing/2010/main">
+                <a14:hiddenFill xmlns:a14="http://schemas.microsoft.com/office/drawing/2010/main" xmlns="">
                   <a:solidFill>
                     <a:srgbClr val="FFFFFF"/>
                   </a:solidFill>
                 </a14:hiddenFill>
               </a:ext>
               <a:ext uri="{91240B29-F687-4f45-9708-019B960494DF}">
-                <a14:hiddenLine xmlns="" xmlns:a14="http://schemas.microsoft.com/office/drawing/2010/main" w="9525">
+                <a14:hiddenLine xmlns:a14="http://schemas.microsoft.com/office/drawing/2010/main" xmlns="" w="9525">
                   <a:solidFill>
                     <a:srgbClr val="000000"/>
                   </a:solidFill>
@@ -14044,7 +14044,7 @@
             </a:ln>
             <a:extLst>
               <a:ext uri="{91240B29-F687-4f45-9708-019B960494DF}">
-                <a14:hiddenLine xmlns="" xmlns:a14="http://schemas.microsoft.com/office/drawing/2010/main" w="9525">
+                <a14:hiddenLine xmlns:a14="http://schemas.microsoft.com/office/drawing/2010/main" xmlns="" w="9525">
                   <a:solidFill>
                     <a:srgbClr val="000000"/>
                   </a:solidFill>
@@ -14095,14 +14095,14 @@
             </a:ln>
             <a:extLst>
               <a:ext uri="{909E8E84-426E-40dd-AFC4-6F175D3DCCD1}">
-                <a14:hiddenFill xmlns="" xmlns:a14="http://schemas.microsoft.com/office/drawing/2010/main">
+                <a14:hiddenFill xmlns:a14="http://schemas.microsoft.com/office/drawing/2010/main" xmlns="">
                   <a:solidFill>
                     <a:srgbClr val="FFFFFF"/>
                   </a:solidFill>
                 </a14:hiddenFill>
               </a:ext>
               <a:ext uri="{91240B29-F687-4f45-9708-019B960494DF}">
-                <a14:hiddenLine xmlns="" xmlns:a14="http://schemas.microsoft.com/office/drawing/2010/main" w="9525">
+                <a14:hiddenLine xmlns:a14="http://schemas.microsoft.com/office/drawing/2010/main" xmlns="" w="9525">
                   <a:solidFill>
                     <a:srgbClr val="000000"/>
                   </a:solidFill>
@@ -14850,14 +14850,14 @@
           </a:ln>
           <a:extLst>
             <a:ext uri="{909E8E84-426E-40dd-AFC4-6F175D3DCCD1}">
-              <a14:hiddenFill xmlns="" xmlns:a14="http://schemas.microsoft.com/office/drawing/2010/main">
+              <a14:hiddenFill xmlns:a14="http://schemas.microsoft.com/office/drawing/2010/main" xmlns="">
                 <a:solidFill>
                   <a:srgbClr val="FFFFFF"/>
                 </a:solidFill>
               </a14:hiddenFill>
             </a:ext>
             <a:ext uri="{91240B29-F687-4f45-9708-019B960494DF}">
-              <a14:hiddenLine xmlns="" xmlns:a14="http://schemas.microsoft.com/office/drawing/2010/main" w="9525">
+              <a14:hiddenLine xmlns:a14="http://schemas.microsoft.com/office/drawing/2010/main" xmlns="" w="9525">
                 <a:solidFill>
                   <a:srgbClr val="000000"/>
                 </a:solidFill>
@@ -14867,7 +14867,7 @@
               </a14:hiddenLine>
             </a:ext>
             <a:ext uri="{FAA26D3D-D897-4be2-8F04-BA451C77F1D7}">
-              <ma14:placeholderFlag xmlns="" xmlns:ma14="http://schemas.microsoft.com/office/mac/drawingml/2011/main" val="1"/>
+              <ma14:placeholderFlag xmlns:ma14="http://schemas.microsoft.com/office/mac/drawingml/2011/main" xmlns="" val="1"/>
             </a:ext>
           </a:extLst>
         </p:spPr>
@@ -15338,7 +15338,7 @@
           </a:ln>
           <a:extLst>
             <a:ext uri="{91240B29-F687-4f45-9708-019B960494DF}">
-              <a14:hiddenLine xmlns:a14="http://schemas.microsoft.com/office/drawing/2010/main" xmlns="" w="9525">
+              <a14:hiddenLine xmlns="" xmlns:a14="http://schemas.microsoft.com/office/drawing/2010/main" w="9525">
                 <a:solidFill>
                   <a:srgbClr val="000000"/>
                 </a:solidFill>
@@ -15686,7 +15686,7 @@
           </a:ln>
           <a:extLst>
             <a:ext uri="{91240B29-F687-4f45-9708-019B960494DF}">
-              <a14:hiddenLine xmlns:a14="http://schemas.microsoft.com/office/drawing/2010/main" xmlns="" w="9525">
+              <a14:hiddenLine xmlns="" xmlns:a14="http://schemas.microsoft.com/office/drawing/2010/main" w="9525">
                 <a:solidFill>
                   <a:srgbClr val="000000"/>
                 </a:solidFill>
@@ -21441,7 +21441,7 @@
             </a:ln>
             <a:extLst>
               <a:ext uri="{91240B29-F687-4f45-9708-019B960494DF}">
-                <a14:hiddenLine xmlns="" xmlns:a14="http://schemas.microsoft.com/office/drawing/2010/main" w="9525">
+                <a14:hiddenLine xmlns:a14="http://schemas.microsoft.com/office/drawing/2010/main" xmlns="" w="9525">
                   <a:solidFill>
                     <a:srgbClr val="000000"/>
                   </a:solidFill>
@@ -21492,14 +21492,14 @@
             </a:ln>
             <a:extLst>
               <a:ext uri="{909E8E84-426E-40dd-AFC4-6F175D3DCCD1}">
-                <a14:hiddenFill xmlns="" xmlns:a14="http://schemas.microsoft.com/office/drawing/2010/main">
+                <a14:hiddenFill xmlns:a14="http://schemas.microsoft.com/office/drawing/2010/main" xmlns="">
                   <a:solidFill>
                     <a:srgbClr val="FFFFFF"/>
                   </a:solidFill>
                 </a14:hiddenFill>
               </a:ext>
               <a:ext uri="{91240B29-F687-4f45-9708-019B960494DF}">
-                <a14:hiddenLine xmlns="" xmlns:a14="http://schemas.microsoft.com/office/drawing/2010/main" w="9525">
+                <a14:hiddenLine xmlns:a14="http://schemas.microsoft.com/office/drawing/2010/main" xmlns="" w="9525">
                   <a:solidFill>
                     <a:srgbClr val="000000"/>
                   </a:solidFill>
@@ -21841,7 +21841,7 @@
             </a:ln>
             <a:extLst>
               <a:ext uri="{91240B29-F687-4f45-9708-019B960494DF}">
-                <a14:hiddenLine xmlns="" xmlns:a14="http://schemas.microsoft.com/office/drawing/2010/main" w="9525">
+                <a14:hiddenLine xmlns:a14="http://schemas.microsoft.com/office/drawing/2010/main" xmlns="" w="9525">
                   <a:solidFill>
                     <a:srgbClr val="000000"/>
                   </a:solidFill>
@@ -21892,14 +21892,14 @@
             </a:ln>
             <a:extLst>
               <a:ext uri="{909E8E84-426E-40dd-AFC4-6F175D3DCCD1}">
-                <a14:hiddenFill xmlns="" xmlns:a14="http://schemas.microsoft.com/office/drawing/2010/main">
+                <a14:hiddenFill xmlns:a14="http://schemas.microsoft.com/office/drawing/2010/main" xmlns="">
                   <a:solidFill>
                     <a:srgbClr val="FFFFFF"/>
                   </a:solidFill>
                 </a14:hiddenFill>
               </a:ext>
               <a:ext uri="{91240B29-F687-4f45-9708-019B960494DF}">
-                <a14:hiddenLine xmlns="" xmlns:a14="http://schemas.microsoft.com/office/drawing/2010/main" w="9525">
+                <a14:hiddenLine xmlns:a14="http://schemas.microsoft.com/office/drawing/2010/main" xmlns="" w="9525">
                   <a:solidFill>
                     <a:srgbClr val="000000"/>
                   </a:solidFill>
@@ -22698,7 +22698,7 @@
             </a:ln>
             <a:extLst>
               <a:ext uri="{91240B29-F687-4f45-9708-019B960494DF}">
-                <a14:hiddenLine xmlns="" xmlns:a14="http://schemas.microsoft.com/office/drawing/2010/main" w="9525">
+                <a14:hiddenLine xmlns:a14="http://schemas.microsoft.com/office/drawing/2010/main" xmlns="" w="9525">
                   <a:solidFill>
                     <a:srgbClr val="000000"/>
                   </a:solidFill>
@@ -22749,14 +22749,14 @@
             </a:ln>
             <a:extLst>
               <a:ext uri="{909E8E84-426E-40dd-AFC4-6F175D3DCCD1}">
-                <a14:hiddenFill xmlns="" xmlns:a14="http://schemas.microsoft.com/office/drawing/2010/main">
+                <a14:hiddenFill xmlns:a14="http://schemas.microsoft.com/office/drawing/2010/main" xmlns="">
                   <a:solidFill>
                     <a:srgbClr val="FFFFFF"/>
                   </a:solidFill>
                 </a14:hiddenFill>
               </a:ext>
               <a:ext uri="{91240B29-F687-4f45-9708-019B960494DF}">
-                <a14:hiddenLine xmlns="" xmlns:a14="http://schemas.microsoft.com/office/drawing/2010/main" w="9525">
+                <a14:hiddenLine xmlns:a14="http://schemas.microsoft.com/office/drawing/2010/main" xmlns="" w="9525">
                   <a:solidFill>
                     <a:srgbClr val="000000"/>
                   </a:solidFill>
@@ -22909,7 +22909,7 @@
             </a:ln>
             <a:extLst>
               <a:ext uri="{91240B29-F687-4f45-9708-019B960494DF}">
-                <a14:hiddenLine xmlns="" xmlns:a14="http://schemas.microsoft.com/office/drawing/2010/main" w="9525">
+                <a14:hiddenLine xmlns:a14="http://schemas.microsoft.com/office/drawing/2010/main" xmlns="" w="9525">
                   <a:solidFill>
                     <a:srgbClr val="000000"/>
                   </a:solidFill>
@@ -22960,14 +22960,14 @@
             </a:ln>
             <a:extLst>
               <a:ext uri="{909E8E84-426E-40dd-AFC4-6F175D3DCCD1}">
-                <a14:hiddenFill xmlns="" xmlns:a14="http://schemas.microsoft.com/office/drawing/2010/main">
+                <a14:hiddenFill xmlns:a14="http://schemas.microsoft.com/office/drawing/2010/main" xmlns="">
                   <a:solidFill>
                     <a:srgbClr val="FFFFFF"/>
                   </a:solidFill>
                 </a14:hiddenFill>
               </a:ext>
               <a:ext uri="{91240B29-F687-4f45-9708-019B960494DF}">
-                <a14:hiddenLine xmlns="" xmlns:a14="http://schemas.microsoft.com/office/drawing/2010/main" w="9525">
+                <a14:hiddenLine xmlns:a14="http://schemas.microsoft.com/office/drawing/2010/main" xmlns="" w="9525">
                   <a:solidFill>
                     <a:srgbClr val="000000"/>
                   </a:solidFill>
@@ -24322,7 +24322,7 @@
             </a:ln>
             <a:extLst>
               <a:ext uri="{91240B29-F687-4f45-9708-019B960494DF}">
-                <a14:hiddenLine xmlns:a14="http://schemas.microsoft.com/office/drawing/2010/main" xmlns="" w="9525">
+                <a14:hiddenLine xmlns="" xmlns:a14="http://schemas.microsoft.com/office/drawing/2010/main" w="9525">
                   <a:solidFill>
                     <a:srgbClr val="000000"/>
                   </a:solidFill>
@@ -24635,7 +24635,7 @@
             </a:ln>
             <a:extLst>
               <a:ext uri="{91240B29-F687-4f45-9708-019B960494DF}">
-                <a14:hiddenLine xmlns:a14="http://schemas.microsoft.com/office/drawing/2010/main" xmlns="" w="9525">
+                <a14:hiddenLine xmlns="" xmlns:a14="http://schemas.microsoft.com/office/drawing/2010/main" w="9525">
                   <a:solidFill>
                     <a:srgbClr val="000000"/>
                   </a:solidFill>
@@ -25414,7 +25414,7 @@
             </a:ln>
             <a:extLst>
               <a:ext uri="{91240B29-F687-4f45-9708-019B960494DF}">
-                <a14:hiddenLine xmlns="" xmlns:a14="http://schemas.microsoft.com/office/drawing/2010/main" w="9525">
+                <a14:hiddenLine xmlns:a14="http://schemas.microsoft.com/office/drawing/2010/main" xmlns="" w="9525">
                   <a:solidFill>
                     <a:srgbClr val="000000"/>
                   </a:solidFill>
@@ -25459,14 +25459,14 @@
             </a:ln>
             <a:extLst>
               <a:ext uri="{909E8E84-426E-40dd-AFC4-6F175D3DCCD1}">
-                <a14:hiddenFill xmlns="" xmlns:a14="http://schemas.microsoft.com/office/drawing/2010/main">
+                <a14:hiddenFill xmlns:a14="http://schemas.microsoft.com/office/drawing/2010/main" xmlns="">
                   <a:solidFill>
                     <a:srgbClr val="FFFFFF"/>
                   </a:solidFill>
                 </a14:hiddenFill>
               </a:ext>
               <a:ext uri="{91240B29-F687-4f45-9708-019B960494DF}">
-                <a14:hiddenLine xmlns="" xmlns:a14="http://schemas.microsoft.com/office/drawing/2010/main" w="9525">
+                <a14:hiddenLine xmlns:a14="http://schemas.microsoft.com/office/drawing/2010/main" xmlns="" w="9525">
                   <a:solidFill>
                     <a:srgbClr val="000000"/>
                   </a:solidFill>
@@ -25566,7 +25566,7 @@
             </a:ln>
             <a:extLst>
               <a:ext uri="{91240B29-F687-4f45-9708-019B960494DF}">
-                <a14:hiddenLine xmlns="" xmlns:a14="http://schemas.microsoft.com/office/drawing/2010/main" w="9525">
+                <a14:hiddenLine xmlns:a14="http://schemas.microsoft.com/office/drawing/2010/main" xmlns="" w="9525">
                   <a:solidFill>
                     <a:srgbClr val="000000"/>
                   </a:solidFill>
@@ -25611,14 +25611,14 @@
             </a:ln>
             <a:extLst>
               <a:ext uri="{909E8E84-426E-40dd-AFC4-6F175D3DCCD1}">
-                <a14:hiddenFill xmlns="" xmlns:a14="http://schemas.microsoft.com/office/drawing/2010/main">
+                <a14:hiddenFill xmlns:a14="http://schemas.microsoft.com/office/drawing/2010/main" xmlns="">
                   <a:solidFill>
                     <a:srgbClr val="FFFFFF"/>
                   </a:solidFill>
                 </a14:hiddenFill>
               </a:ext>
               <a:ext uri="{91240B29-F687-4f45-9708-019B960494DF}">
-                <a14:hiddenLine xmlns="" xmlns:a14="http://schemas.microsoft.com/office/drawing/2010/main" w="9525">
+                <a14:hiddenLine xmlns:a14="http://schemas.microsoft.com/office/drawing/2010/main" xmlns="" w="9525">
                   <a:solidFill>
                     <a:srgbClr val="000000"/>
                   </a:solidFill>
@@ -25734,7 +25734,7 @@
             </a:ln>
             <a:extLst>
               <a:ext uri="{91240B29-F687-4f45-9708-019B960494DF}">
-                <a14:hiddenLine xmlns="" xmlns:a14="http://schemas.microsoft.com/office/drawing/2010/main" w="9525">
+                <a14:hiddenLine xmlns:a14="http://schemas.microsoft.com/office/drawing/2010/main" xmlns="" w="9525">
                   <a:solidFill>
                     <a:srgbClr val="000000"/>
                   </a:solidFill>
@@ -25779,14 +25779,14 @@
             </a:ln>
             <a:extLst>
               <a:ext uri="{909E8E84-426E-40dd-AFC4-6F175D3DCCD1}">
-                <a14:hiddenFill xmlns="" xmlns:a14="http://schemas.microsoft.com/office/drawing/2010/main">
+                <a14:hiddenFill xmlns:a14="http://schemas.microsoft.com/office/drawing/2010/main" xmlns="">
                   <a:solidFill>
                     <a:srgbClr val="FFFFFF"/>
                   </a:solidFill>
                 </a14:hiddenFill>
               </a:ext>
               <a:ext uri="{91240B29-F687-4f45-9708-019B960494DF}">
-                <a14:hiddenLine xmlns="" xmlns:a14="http://schemas.microsoft.com/office/drawing/2010/main" w="9525">
+                <a14:hiddenLine xmlns:a14="http://schemas.microsoft.com/office/drawing/2010/main" xmlns="" w="9525">
                   <a:solidFill>
                     <a:srgbClr val="000000"/>
                   </a:solidFill>
@@ -25899,7 +25899,7 @@
             </a:ln>
             <a:extLst>
               <a:ext uri="{91240B29-F687-4f45-9708-019B960494DF}">
-                <a14:hiddenLine xmlns="" xmlns:a14="http://schemas.microsoft.com/office/drawing/2010/main" w="9525">
+                <a14:hiddenLine xmlns:a14="http://schemas.microsoft.com/office/drawing/2010/main" xmlns="" w="9525">
                   <a:solidFill>
                     <a:srgbClr val="000000"/>
                   </a:solidFill>
@@ -25944,14 +25944,14 @@
             </a:ln>
             <a:extLst>
               <a:ext uri="{909E8E84-426E-40dd-AFC4-6F175D3DCCD1}">
-                <a14:hiddenFill xmlns="" xmlns:a14="http://schemas.microsoft.com/office/drawing/2010/main">
+                <a14:hiddenFill xmlns:a14="http://schemas.microsoft.com/office/drawing/2010/main" xmlns="">
                   <a:solidFill>
                     <a:srgbClr val="FFFFFF"/>
                   </a:solidFill>
                 </a14:hiddenFill>
               </a:ext>
               <a:ext uri="{91240B29-F687-4f45-9708-019B960494DF}">
-                <a14:hiddenLine xmlns="" xmlns:a14="http://schemas.microsoft.com/office/drawing/2010/main" w="9525">
+                <a14:hiddenLine xmlns:a14="http://schemas.microsoft.com/office/drawing/2010/main" xmlns="" w="9525">
                   <a:solidFill>
                     <a:srgbClr val="000000"/>
                   </a:solidFill>
@@ -26051,7 +26051,7 @@
           </a:ln>
           <a:extLst>
             <a:ext uri="{909E8E84-426E-40dd-AFC4-6F175D3DCCD1}">
-              <a14:hiddenFill xmlns="" xmlns:a14="http://schemas.microsoft.com/office/drawing/2010/main">
+              <a14:hiddenFill xmlns:a14="http://schemas.microsoft.com/office/drawing/2010/main" xmlns="">
                 <a:noFill/>
               </a14:hiddenFill>
             </a:ext>
@@ -26098,7 +26098,7 @@
             </a:ln>
             <a:extLst>
               <a:ext uri="{91240B29-F687-4f45-9708-019B960494DF}">
-                <a14:hiddenLine xmlns="" xmlns:a14="http://schemas.microsoft.com/office/drawing/2010/main" w="9525">
+                <a14:hiddenLine xmlns:a14="http://schemas.microsoft.com/office/drawing/2010/main" xmlns="" w="9525">
                   <a:solidFill>
                     <a:srgbClr val="000000"/>
                   </a:solidFill>
@@ -26143,14 +26143,14 @@
             </a:ln>
             <a:extLst>
               <a:ext uri="{909E8E84-426E-40dd-AFC4-6F175D3DCCD1}">
-                <a14:hiddenFill xmlns="" xmlns:a14="http://schemas.microsoft.com/office/drawing/2010/main">
+                <a14:hiddenFill xmlns:a14="http://schemas.microsoft.com/office/drawing/2010/main" xmlns="">
                   <a:solidFill>
                     <a:srgbClr val="FFFFFF"/>
                   </a:solidFill>
                 </a14:hiddenFill>
               </a:ext>
               <a:ext uri="{91240B29-F687-4f45-9708-019B960494DF}">
-                <a14:hiddenLine xmlns="" xmlns:a14="http://schemas.microsoft.com/office/drawing/2010/main" w="9525">
+                <a14:hiddenLine xmlns:a14="http://schemas.microsoft.com/office/drawing/2010/main" xmlns="" w="9525">
                   <a:solidFill>
                     <a:srgbClr val="000000"/>
                   </a:solidFill>
@@ -26250,7 +26250,7 @@
             </a:ln>
             <a:extLst>
               <a:ext uri="{91240B29-F687-4f45-9708-019B960494DF}">
-                <a14:hiddenLine xmlns="" xmlns:a14="http://schemas.microsoft.com/office/drawing/2010/main" w="9525">
+                <a14:hiddenLine xmlns:a14="http://schemas.microsoft.com/office/drawing/2010/main" xmlns="" w="9525">
                   <a:solidFill>
                     <a:srgbClr val="000000"/>
                   </a:solidFill>
@@ -26295,14 +26295,14 @@
             </a:ln>
             <a:extLst>
               <a:ext uri="{909E8E84-426E-40dd-AFC4-6F175D3DCCD1}">
-                <a14:hiddenFill xmlns="" xmlns:a14="http://schemas.microsoft.com/office/drawing/2010/main">
+                <a14:hiddenFill xmlns:a14="http://schemas.microsoft.com/office/drawing/2010/main" xmlns="">
                   <a:solidFill>
                     <a:srgbClr val="FFFFFF"/>
                   </a:solidFill>
                 </a14:hiddenFill>
               </a:ext>
               <a:ext uri="{91240B29-F687-4f45-9708-019B960494DF}">
-                <a14:hiddenLine xmlns="" xmlns:a14="http://schemas.microsoft.com/office/drawing/2010/main" w="9525">
+                <a14:hiddenLine xmlns:a14="http://schemas.microsoft.com/office/drawing/2010/main" xmlns="" w="9525">
                   <a:solidFill>
                     <a:srgbClr val="000000"/>
                   </a:solidFill>
@@ -26402,7 +26402,7 @@
             </a:ln>
             <a:extLst>
               <a:ext uri="{91240B29-F687-4f45-9708-019B960494DF}">
-                <a14:hiddenLine xmlns="" xmlns:a14="http://schemas.microsoft.com/office/drawing/2010/main" w="9525">
+                <a14:hiddenLine xmlns:a14="http://schemas.microsoft.com/office/drawing/2010/main" xmlns="" w="9525">
                   <a:solidFill>
                     <a:srgbClr val="000000"/>
                   </a:solidFill>
@@ -26447,14 +26447,14 @@
             </a:ln>
             <a:extLst>
               <a:ext uri="{909E8E84-426E-40dd-AFC4-6F175D3DCCD1}">
-                <a14:hiddenFill xmlns="" xmlns:a14="http://schemas.microsoft.com/office/drawing/2010/main">
+                <a14:hiddenFill xmlns:a14="http://schemas.microsoft.com/office/drawing/2010/main" xmlns="">
                   <a:solidFill>
                     <a:srgbClr val="FFFFFF"/>
                   </a:solidFill>
                 </a14:hiddenFill>
               </a:ext>
               <a:ext uri="{91240B29-F687-4f45-9708-019B960494DF}">
-                <a14:hiddenLine xmlns="" xmlns:a14="http://schemas.microsoft.com/office/drawing/2010/main" w="9525">
+                <a14:hiddenLine xmlns:a14="http://schemas.microsoft.com/office/drawing/2010/main" xmlns="" w="9525">
                   <a:solidFill>
                     <a:srgbClr val="000000"/>
                   </a:solidFill>
@@ -26554,7 +26554,7 @@
             </a:ln>
             <a:extLst>
               <a:ext uri="{91240B29-F687-4f45-9708-019B960494DF}">
-                <a14:hiddenLine xmlns="" xmlns:a14="http://schemas.microsoft.com/office/drawing/2010/main" w="9525">
+                <a14:hiddenLine xmlns:a14="http://schemas.microsoft.com/office/drawing/2010/main" xmlns="" w="9525">
                   <a:solidFill>
                     <a:srgbClr val="000000"/>
                   </a:solidFill>
@@ -26599,14 +26599,14 @@
             </a:ln>
             <a:extLst>
               <a:ext uri="{909E8E84-426E-40dd-AFC4-6F175D3DCCD1}">
-                <a14:hiddenFill xmlns="" xmlns:a14="http://schemas.microsoft.com/office/drawing/2010/main">
+                <a14:hiddenFill xmlns:a14="http://schemas.microsoft.com/office/drawing/2010/main" xmlns="">
                   <a:solidFill>
                     <a:srgbClr val="FFFFFF"/>
                   </a:solidFill>
                 </a14:hiddenFill>
               </a:ext>
               <a:ext uri="{91240B29-F687-4f45-9708-019B960494DF}">
-                <a14:hiddenLine xmlns="" xmlns:a14="http://schemas.microsoft.com/office/drawing/2010/main" w="9525">
+                <a14:hiddenLine xmlns:a14="http://schemas.microsoft.com/office/drawing/2010/main" xmlns="" w="9525">
                   <a:solidFill>
                     <a:srgbClr val="000000"/>
                   </a:solidFill>
@@ -26727,7 +26727,7 @@
             </a:ln>
             <a:extLst>
               <a:ext uri="{91240B29-F687-4f45-9708-019B960494DF}">
-                <a14:hiddenLine xmlns="" xmlns:a14="http://schemas.microsoft.com/office/drawing/2010/main" w="9525">
+                <a14:hiddenLine xmlns:a14="http://schemas.microsoft.com/office/drawing/2010/main" xmlns="" w="9525">
                   <a:solidFill>
                     <a:srgbClr val="000000"/>
                   </a:solidFill>
@@ -26772,14 +26772,14 @@
             </a:ln>
             <a:extLst>
               <a:ext uri="{909E8E84-426E-40dd-AFC4-6F175D3DCCD1}">
-                <a14:hiddenFill xmlns="" xmlns:a14="http://schemas.microsoft.com/office/drawing/2010/main">
+                <a14:hiddenFill xmlns:a14="http://schemas.microsoft.com/office/drawing/2010/main" xmlns="">
                   <a:solidFill>
                     <a:srgbClr val="FFFFFF"/>
                   </a:solidFill>
                 </a14:hiddenFill>
               </a:ext>
               <a:ext uri="{91240B29-F687-4f45-9708-019B960494DF}">
-                <a14:hiddenLine xmlns="" xmlns:a14="http://schemas.microsoft.com/office/drawing/2010/main" w="9525">
+                <a14:hiddenLine xmlns:a14="http://schemas.microsoft.com/office/drawing/2010/main" xmlns="" w="9525">
                   <a:solidFill>
                     <a:srgbClr val="000000"/>
                   </a:solidFill>
@@ -26879,7 +26879,7 @@
           </a:ln>
           <a:extLst>
             <a:ext uri="{909E8E84-426E-40dd-AFC4-6F175D3DCCD1}">
-              <a14:hiddenFill xmlns="" xmlns:a14="http://schemas.microsoft.com/office/drawing/2010/main">
+              <a14:hiddenFill xmlns:a14="http://schemas.microsoft.com/office/drawing/2010/main" xmlns="">
                 <a:noFill/>
               </a14:hiddenFill>
             </a:ext>
@@ -26926,7 +26926,7 @@
             </a:ln>
             <a:extLst>
               <a:ext uri="{91240B29-F687-4f45-9708-019B960494DF}">
-                <a14:hiddenLine xmlns="" xmlns:a14="http://schemas.microsoft.com/office/drawing/2010/main" w="9525">
+                <a14:hiddenLine xmlns:a14="http://schemas.microsoft.com/office/drawing/2010/main" xmlns="" w="9525">
                   <a:solidFill>
                     <a:srgbClr val="000000"/>
                   </a:solidFill>
@@ -26971,14 +26971,14 @@
             </a:ln>
             <a:extLst>
               <a:ext uri="{909E8E84-426E-40dd-AFC4-6F175D3DCCD1}">
-                <a14:hiddenFill xmlns="" xmlns:a14="http://schemas.microsoft.com/office/drawing/2010/main">
+                <a14:hiddenFill xmlns:a14="http://schemas.microsoft.com/office/drawing/2010/main" xmlns="">
                   <a:solidFill>
                     <a:srgbClr val="FFFFFF"/>
                   </a:solidFill>
                 </a14:hiddenFill>
               </a:ext>
               <a:ext uri="{91240B29-F687-4f45-9708-019B960494DF}">
-                <a14:hiddenLine xmlns="" xmlns:a14="http://schemas.microsoft.com/office/drawing/2010/main" w="9525">
+                <a14:hiddenLine xmlns:a14="http://schemas.microsoft.com/office/drawing/2010/main" xmlns="" w="9525">
                   <a:solidFill>
                     <a:srgbClr val="000000"/>
                   </a:solidFill>
@@ -27491,7 +27491,7 @@
           </a:ln>
           <a:extLst>
             <a:ext uri="{91240B29-F687-4f45-9708-019B960494DF}">
-              <a14:hiddenLine xmlns="" xmlns:a14="http://schemas.microsoft.com/office/drawing/2010/main" w="9525">
+              <a14:hiddenLine xmlns:a14="http://schemas.microsoft.com/office/drawing/2010/main" xmlns="" w="9525">
                 <a:solidFill>
                   <a:srgbClr val="000000"/>
                 </a:solidFill>
@@ -28407,14 +28407,14 @@
           </a:ln>
           <a:extLst>
             <a:ext uri="{909E8E84-426E-40dd-AFC4-6F175D3DCCD1}">
-              <a14:hiddenFill xmlns="" xmlns:a14="http://schemas.microsoft.com/office/drawing/2010/main">
+              <a14:hiddenFill xmlns:a14="http://schemas.microsoft.com/office/drawing/2010/main" xmlns="">
                 <a:solidFill>
                   <a:srgbClr val="FFFFFF"/>
                 </a:solidFill>
               </a14:hiddenFill>
             </a:ext>
             <a:ext uri="{91240B29-F687-4f45-9708-019B960494DF}">
-              <a14:hiddenLine xmlns="" xmlns:a14="http://schemas.microsoft.com/office/drawing/2010/main" w="9525">
+              <a14:hiddenLine xmlns:a14="http://schemas.microsoft.com/office/drawing/2010/main" xmlns="" w="9525">
                 <a:solidFill>
                   <a:srgbClr val="000000"/>
                 </a:solidFill>
@@ -28424,7 +28424,7 @@
               </a14:hiddenLine>
             </a:ext>
             <a:ext uri="{FAA26D3D-D897-4be2-8F04-BA451C77F1D7}">
-              <ma14:placeholderFlag xmlns="" xmlns:ma14="http://schemas.microsoft.com/office/mac/drawingml/2011/main" val="1"/>
+              <ma14:placeholderFlag xmlns:ma14="http://schemas.microsoft.com/office/mac/drawingml/2011/main" xmlns="" val="1"/>
             </a:ext>
           </a:extLst>
         </p:spPr>
@@ -28780,14 +28780,14 @@
           </a:ln>
           <a:extLst>
             <a:ext uri="{909E8E84-426E-40dd-AFC4-6F175D3DCCD1}">
-              <a14:hiddenFill xmlns="" xmlns:a14="http://schemas.microsoft.com/office/drawing/2010/main">
+              <a14:hiddenFill xmlns:a14="http://schemas.microsoft.com/office/drawing/2010/main" xmlns="">
                 <a:solidFill>
                   <a:srgbClr val="FFFFFF"/>
                 </a:solidFill>
               </a14:hiddenFill>
             </a:ext>
             <a:ext uri="{91240B29-F687-4f45-9708-019B960494DF}">
-              <a14:hiddenLine xmlns="" xmlns:a14="http://schemas.microsoft.com/office/drawing/2010/main" w="9525">
+              <a14:hiddenLine xmlns:a14="http://schemas.microsoft.com/office/drawing/2010/main" xmlns="" w="9525">
                 <a:solidFill>
                   <a:srgbClr val="000000"/>
                 </a:solidFill>
@@ -28797,7 +28797,7 @@
               </a14:hiddenLine>
             </a:ext>
             <a:ext uri="{FAA26D3D-D897-4be2-8F04-BA451C77F1D7}">
-              <ma14:placeholderFlag xmlns="" xmlns:ma14="http://schemas.microsoft.com/office/mac/drawingml/2011/main" val="1"/>
+              <ma14:placeholderFlag xmlns:ma14="http://schemas.microsoft.com/office/mac/drawingml/2011/main" xmlns="" val="1"/>
             </a:ext>
           </a:extLst>
         </p:spPr>
